--- a/docs/운영체제가 MMO서버 성능에 미치는 영향에 관한연구_서아람.pptx
+++ b/docs/운영체제가 MMO서버 성능에 미치는 영향에 관한연구_서아람.pptx
@@ -7,22 +7,23 @@
     <p:sldMasterId id="2147483684" r:id="rId3"/>
   </p:sldMasterIdLst>
   <p:notesMasterIdLst>
-    <p:notesMasterId r:id="rId17"/>
+    <p:notesMasterId r:id="rId18"/>
   </p:notesMasterIdLst>
   <p:sldIdLst>
     <p:sldId id="256" r:id="rId4"/>
     <p:sldId id="257" r:id="rId5"/>
-    <p:sldId id="269" r:id="rId6"/>
-    <p:sldId id="270" r:id="rId7"/>
-    <p:sldId id="261" r:id="rId8"/>
-    <p:sldId id="265" r:id="rId9"/>
-    <p:sldId id="263" r:id="rId10"/>
-    <p:sldId id="272" r:id="rId11"/>
-    <p:sldId id="266" r:id="rId12"/>
-    <p:sldId id="264" r:id="rId13"/>
-    <p:sldId id="267" r:id="rId14"/>
-    <p:sldId id="268" r:id="rId15"/>
-    <p:sldId id="271" r:id="rId16"/>
+    <p:sldId id="273" r:id="rId6"/>
+    <p:sldId id="261" r:id="rId7"/>
+    <p:sldId id="265" r:id="rId8"/>
+    <p:sldId id="263" r:id="rId9"/>
+    <p:sldId id="272" r:id="rId10"/>
+    <p:sldId id="275" r:id="rId11"/>
+    <p:sldId id="276" r:id="rId12"/>
+    <p:sldId id="277" r:id="rId13"/>
+    <p:sldId id="280" r:id="rId14"/>
+    <p:sldId id="281" r:id="rId15"/>
+    <p:sldId id="264" r:id="rId16"/>
+    <p:sldId id="267" r:id="rId17"/>
   </p:sldIdLst>
   <p:sldSz cx="9144000" cy="6858000" type="screen4x3"/>
   <p:notesSz cx="6858000" cy="9144000"/>
@@ -206,7 +207,7 @@
           <a:p>
             <a:fld id="{DDCEC32D-DBC1-45BE-8C49-95EF4184AA0C}" type="datetimeFigureOut">
               <a:rPr lang="ko-KR" altLang="en-US" smtClean="0"/>
-              <a:t>2015-12-21</a:t>
+              <a:t>2016-05-10</a:t>
             </a:fld>
             <a:endParaRPr lang="ko-KR" altLang="en-US"/>
           </a:p>
@@ -539,7 +540,7 @@
           <a:p>
             <a:fld id="{972BC3DC-D4B2-4628-B67C-8E0CBE556E24}" type="slidenum">
               <a:rPr lang="ko-KR" altLang="en-US" smtClean="0"/>
-              <a:t>6</a:t>
+              <a:t>5</a:t>
             </a:fld>
             <a:endParaRPr lang="ko-KR" altLang="en-US"/>
           </a:p>
@@ -643,7 +644,7 @@
           <a:p>
             <a:fld id="{972BC3DC-D4B2-4628-B67C-8E0CBE556E24}" type="slidenum">
               <a:rPr lang="ko-KR" altLang="en-US" smtClean="0"/>
-              <a:t>7</a:t>
+              <a:t>6</a:t>
             </a:fld>
             <a:endParaRPr lang="ko-KR" altLang="en-US"/>
           </a:p>
@@ -9586,11 +9587,1806 @@
           <a:p>
             <a:r>
               <a:rPr lang="en-US" altLang="ko-KR" dirty="0" smtClean="0"/>
-              <a:t>5. </a:t>
+              <a:t>3. </a:t>
             </a:r>
             <a:r>
               <a:rPr lang="ko-KR" altLang="en-US" dirty="0" smtClean="0"/>
-              <a:t>연구 일정</a:t>
+              <a:t>연구진행</a:t>
+            </a:r>
+            <a:endParaRPr lang="ko-KR" altLang="en-US" dirty="0"/>
+          </a:p>
+        </p:txBody>
+      </p:sp>
+      <p:sp>
+        <p:nvSpPr>
+          <p:cNvPr id="3" name="내용 개체 틀 2"/>
+          <p:cNvSpPr>
+            <a:spLocks noGrp="1"/>
+          </p:cNvSpPr>
+          <p:nvPr>
+            <p:ph idx="1"/>
+          </p:nvPr>
+        </p:nvSpPr>
+        <p:spPr/>
+        <p:txBody>
+          <a:bodyPr/>
+          <a:lstStyle/>
+          <a:p>
+            <a:r>
+              <a:rPr lang="en-US" altLang="ko-KR" dirty="0" smtClean="0"/>
+              <a:t>Boost::</a:t>
+            </a:r>
+            <a:r>
+              <a:rPr lang="en-US" altLang="ko-KR" dirty="0" err="1" smtClean="0"/>
+              <a:t>thread_group</a:t>
+            </a:r>
+            <a:endParaRPr lang="en-US" altLang="ko-KR" dirty="0" smtClean="0"/>
+          </a:p>
+          <a:p>
+            <a:pPr lvl="1"/>
+            <a:r>
+              <a:rPr lang="en-US" altLang="ko-KR" dirty="0" smtClean="0"/>
+              <a:t>thread</a:t>
+            </a:r>
+            <a:r>
+              <a:rPr lang="ko-KR" altLang="en-US" dirty="0"/>
+              <a:t> </a:t>
+            </a:r>
+            <a:r>
+              <a:rPr lang="en-US" altLang="ko-KR" dirty="0" smtClean="0"/>
+              <a:t>pool</a:t>
+            </a:r>
+            <a:r>
+              <a:rPr lang="ko-KR" altLang="en-US" dirty="0" smtClean="0"/>
+              <a:t>을 관리하는 객체</a:t>
+            </a:r>
+            <a:endParaRPr lang="en-US" altLang="ko-KR" dirty="0" smtClean="0"/>
+          </a:p>
+          <a:p>
+            <a:pPr lvl="1"/>
+            <a:r>
+              <a:rPr lang="ko-KR" altLang="en-US" dirty="0" smtClean="0"/>
+              <a:t>요청이 들어오면 미리 생성된 </a:t>
+            </a:r>
+            <a:r>
+              <a:rPr lang="en-US" altLang="ko-KR" dirty="0" smtClean="0"/>
+              <a:t>thread </a:t>
+            </a:r>
+            <a:r>
+              <a:rPr lang="ko-KR" altLang="en-US" dirty="0" smtClean="0"/>
+              <a:t>중 하나를 호출하여 실행한다</a:t>
+            </a:r>
+            <a:r>
+              <a:rPr lang="en-US" altLang="ko-KR" dirty="0" smtClean="0"/>
+              <a:t>.</a:t>
+            </a:r>
+          </a:p>
+          <a:p>
+            <a:r>
+              <a:rPr lang="en-US" altLang="ko-KR" dirty="0"/>
+              <a:t>Boost::</a:t>
+            </a:r>
+            <a:r>
+              <a:rPr lang="en-US" altLang="ko-KR" dirty="0" err="1"/>
+              <a:t>mutex</a:t>
+            </a:r>
+            <a:endParaRPr lang="en-US" altLang="ko-KR" dirty="0"/>
+          </a:p>
+          <a:p>
+            <a:pPr lvl="1"/>
+            <a:r>
+              <a:rPr lang="en-US" altLang="ko-KR" dirty="0"/>
+              <a:t>Boost</a:t>
+            </a:r>
+            <a:r>
+              <a:rPr lang="ko-KR" altLang="en-US" dirty="0"/>
+              <a:t>에서 동기화를 위해 사용되는 객체</a:t>
+            </a:r>
+            <a:r>
+              <a:rPr lang="en-US" altLang="ko-KR" dirty="0" smtClean="0"/>
+              <a:t>.</a:t>
+            </a:r>
+          </a:p>
+          <a:p>
+            <a:r>
+              <a:rPr lang="en-US" altLang="ko-KR" dirty="0"/>
+              <a:t>Boost::</a:t>
+            </a:r>
+            <a:r>
+              <a:rPr lang="en-US" altLang="ko-KR" dirty="0" err="1"/>
+              <a:t>asio</a:t>
+            </a:r>
+            <a:r>
+              <a:rPr lang="en-US" altLang="ko-KR" dirty="0"/>
+              <a:t>::</a:t>
+            </a:r>
+            <a:r>
+              <a:rPr lang="en-US" altLang="ko-KR" dirty="0" err="1"/>
+              <a:t>steady_timer</a:t>
+            </a:r>
+            <a:endParaRPr lang="en-US" altLang="ko-KR" dirty="0"/>
+          </a:p>
+          <a:p>
+            <a:pPr lvl="1"/>
+            <a:r>
+              <a:rPr lang="ko-KR" altLang="en-US" dirty="0"/>
+              <a:t>일정시간이 지난 후 등록한 함수를 실행하는 객체</a:t>
+            </a:r>
+            <a:r>
+              <a:rPr lang="en-US" altLang="ko-KR" dirty="0"/>
+              <a:t>.</a:t>
+            </a:r>
+            <a:endParaRPr lang="en-US" altLang="ko-KR" dirty="0" smtClean="0"/>
+          </a:p>
+        </p:txBody>
+      </p:sp>
+    </p:spTree>
+    <p:extLst>
+      <p:ext uri="{BB962C8B-B14F-4D97-AF65-F5344CB8AC3E}">
+        <p14:creationId xmlns:p14="http://schemas.microsoft.com/office/powerpoint/2010/main" val="1279932667"/>
+      </p:ext>
+    </p:extLst>
+  </p:cSld>
+  <p:clrMapOvr>
+    <a:masterClrMapping/>
+  </p:clrMapOvr>
+  <mc:AlternateContent xmlns:mc="http://schemas.openxmlformats.org/markup-compatibility/2006" xmlns:p14="http://schemas.microsoft.com/office/powerpoint/2010/main">
+    <mc:Choice Requires="p14">
+      <p:transition p14:dur="10" advClick="0"/>
+    </mc:Choice>
+    <mc:Fallback xmlns="">
+      <p:transition advClick="0"/>
+    </mc:Fallback>
+  </mc:AlternateContent>
+  <p:timing>
+    <p:tnLst>
+      <p:par>
+        <p:cTn id="1" dur="indefinite" restart="never" nodeType="tmRoot"/>
+      </p:par>
+    </p:tnLst>
+  </p:timing>
+</p:sld>
+</file>
+
+<file path=ppt/slides/slide11.xml><?xml version="1.0" encoding="utf-8"?>
+<p:sld xmlns:a="http://schemas.openxmlformats.org/drawingml/2006/main" xmlns:r="http://schemas.openxmlformats.org/officeDocument/2006/relationships" xmlns:p="http://schemas.openxmlformats.org/presentationml/2006/main">
+  <p:cSld>
+    <p:spTree>
+      <p:nvGrpSpPr>
+        <p:cNvPr id="1" name=""/>
+        <p:cNvGrpSpPr/>
+        <p:nvPr/>
+      </p:nvGrpSpPr>
+      <p:grpSpPr>
+        <a:xfrm>
+          <a:off x="0" y="0"/>
+          <a:ext cx="0" cy="0"/>
+          <a:chOff x="0" y="0"/>
+          <a:chExt cx="0" cy="0"/>
+        </a:xfrm>
+      </p:grpSpPr>
+      <p:sp>
+        <p:nvSpPr>
+          <p:cNvPr id="2" name="제목 1"/>
+          <p:cNvSpPr>
+            <a:spLocks noGrp="1"/>
+          </p:cNvSpPr>
+          <p:nvPr>
+            <p:ph type="title"/>
+          </p:nvPr>
+        </p:nvSpPr>
+        <p:spPr/>
+        <p:txBody>
+          <a:bodyPr/>
+          <a:lstStyle/>
+          <a:p>
+            <a:r>
+              <a:rPr lang="en-US" altLang="ko-KR" dirty="0" smtClean="0"/>
+              <a:t>3. </a:t>
+            </a:r>
+            <a:r>
+              <a:rPr lang="ko-KR" altLang="en-US" dirty="0" smtClean="0"/>
+              <a:t>연구진행</a:t>
+            </a:r>
+            <a:endParaRPr lang="ko-KR" altLang="en-US" dirty="0"/>
+          </a:p>
+        </p:txBody>
+      </p:sp>
+      <p:sp>
+        <p:nvSpPr>
+          <p:cNvPr id="3" name="내용 개체 틀 2"/>
+          <p:cNvSpPr>
+            <a:spLocks noGrp="1"/>
+          </p:cNvSpPr>
+          <p:nvPr>
+            <p:ph idx="1"/>
+          </p:nvPr>
+        </p:nvSpPr>
+        <p:spPr/>
+        <p:txBody>
+          <a:bodyPr/>
+          <a:lstStyle/>
+          <a:p>
+            <a:r>
+              <a:rPr lang="ko-KR" altLang="en-US" dirty="0" smtClean="0"/>
+              <a:t>문제</a:t>
+            </a:r>
+            <a:endParaRPr lang="en-US" altLang="ko-KR" dirty="0" smtClean="0"/>
+          </a:p>
+          <a:p>
+            <a:pPr lvl="1"/>
+            <a:r>
+              <a:rPr lang="en-US" altLang="ko-KR" dirty="0" err="1" smtClean="0"/>
+              <a:t>io_service</a:t>
+            </a:r>
+            <a:r>
+              <a:rPr lang="en-US" altLang="ko-KR" dirty="0" smtClean="0"/>
+              <a:t> &amp; socket: socket</a:t>
+            </a:r>
+            <a:r>
+              <a:rPr lang="ko-KR" altLang="en-US" dirty="0" smtClean="0"/>
+              <a:t>을 </a:t>
+            </a:r>
+            <a:r>
+              <a:rPr lang="en-US" altLang="ko-KR" dirty="0" smtClean="0"/>
+              <a:t>class</a:t>
+            </a:r>
+            <a:r>
+              <a:rPr lang="ko-KR" altLang="en-US" dirty="0" smtClean="0"/>
+              <a:t>의 멤버변수로 사용할 때 접속 처리</a:t>
+            </a:r>
+            <a:r>
+              <a:rPr lang="en-US" altLang="ko-KR" dirty="0" smtClean="0"/>
+              <a:t>(accept)</a:t>
+            </a:r>
+            <a:r>
+              <a:rPr lang="ko-KR" altLang="en-US" dirty="0" smtClean="0"/>
+              <a:t>를 하지 않고 객체를 생성시 초기화의 문제를 겪음</a:t>
+            </a:r>
+            <a:endParaRPr lang="en-US" altLang="ko-KR" dirty="0" smtClean="0"/>
+          </a:p>
+          <a:p>
+            <a:pPr lvl="1"/>
+            <a:endParaRPr lang="en-US" altLang="ko-KR" dirty="0" smtClean="0"/>
+          </a:p>
+          <a:p>
+            <a:pPr lvl="1"/>
+            <a:r>
+              <a:rPr lang="en-US" altLang="ko-KR" dirty="0" err="1" smtClean="0"/>
+              <a:t>steady_timer</a:t>
+            </a:r>
+            <a:r>
+              <a:rPr lang="en-US" altLang="ko-KR" dirty="0" smtClean="0"/>
+              <a:t>: </a:t>
+            </a:r>
+            <a:r>
+              <a:rPr lang="ko-KR" altLang="en-US" dirty="0" smtClean="0"/>
+              <a:t>서버 내에서 일정 시간마다 이벤트 처리를 위해 사용하려 하였으나</a:t>
+            </a:r>
+            <a:r>
+              <a:rPr lang="en-US" altLang="ko-KR" dirty="0" smtClean="0"/>
+              <a:t>, </a:t>
+            </a:r>
+            <a:r>
+              <a:rPr lang="ko-KR" altLang="en-US" dirty="0" smtClean="0"/>
+              <a:t>현재</a:t>
+            </a:r>
+            <a:r>
+              <a:rPr lang="en-US" altLang="ko-KR" dirty="0"/>
+              <a:t> </a:t>
+            </a:r>
+            <a:r>
+              <a:rPr lang="en-US" altLang="ko-KR" dirty="0" smtClean="0"/>
+              <a:t>boost</a:t>
+            </a:r>
+            <a:r>
+              <a:rPr lang="ko-KR" altLang="en-US" dirty="0" smtClean="0"/>
+              <a:t>버전</a:t>
+            </a:r>
+            <a:r>
+              <a:rPr lang="en-US" altLang="ko-KR" dirty="0" smtClean="0"/>
+              <a:t>(1.59.0)</a:t>
+            </a:r>
+            <a:r>
+              <a:rPr lang="ko-KR" altLang="en-US" dirty="0" smtClean="0"/>
+              <a:t>과 예전 버전</a:t>
+            </a:r>
+            <a:r>
+              <a:rPr lang="en-US" altLang="ko-KR" dirty="0" smtClean="0"/>
+              <a:t>(1.52.0)</a:t>
+            </a:r>
+            <a:r>
+              <a:rPr lang="ko-KR" altLang="en-US" dirty="0" smtClean="0"/>
+              <a:t>에서 차이점이 발생</a:t>
+            </a:r>
+            <a:endParaRPr lang="ko-KR" altLang="en-US" dirty="0"/>
+          </a:p>
+        </p:txBody>
+      </p:sp>
+      <p:sp>
+        <p:nvSpPr>
+          <p:cNvPr id="8" name="내용 개체 틀 2"/>
+          <p:cNvSpPr txBox="1">
+            <a:spLocks/>
+          </p:cNvSpPr>
+          <p:nvPr/>
+        </p:nvSpPr>
+        <p:spPr bwMode="auto">
+          <a:xfrm>
+            <a:off x="539552" y="1844824"/>
+            <a:ext cx="8010525" cy="1368153"/>
+          </a:xfrm>
+          <a:prstGeom prst="rect">
+            <a:avLst/>
+          </a:prstGeom>
+          <a:solidFill>
+            <a:schemeClr val="bg1"/>
+          </a:solidFill>
+          <a:ln>
+            <a:noFill/>
+          </a:ln>
+          <a:extLst/>
+        </p:spPr>
+        <p:txBody>
+          <a:bodyPr vert="horz" wrap="square" lIns="91440" tIns="45720" rIns="91440" bIns="45720" numCol="1" anchor="t" anchorCtr="0" compatLnSpc="1">
+            <a:prstTxWarp prst="textNoShape">
+              <a:avLst/>
+            </a:prstTxWarp>
+          </a:bodyPr>
+          <a:lstStyle>
+            <a:lvl1pPr marL="342900" indent="-342900" algn="l" rtl="0" eaLnBrk="1" fontAlgn="base" latinLnBrk="1" hangingPunct="1">
+              <a:spcBef>
+                <a:spcPct val="20000"/>
+              </a:spcBef>
+              <a:spcAft>
+                <a:spcPct val="0"/>
+              </a:spcAft>
+              <a:buChar char="•"/>
+              <a:defRPr kumimoji="1" sz="3200">
+                <a:solidFill>
+                  <a:srgbClr val="181E5E"/>
+                </a:solidFill>
+                <a:latin typeface="+mn-lt"/>
+                <a:ea typeface="+mn-ea"/>
+                <a:cs typeface="+mn-cs"/>
+              </a:defRPr>
+            </a:lvl1pPr>
+            <a:lvl2pPr marL="742950" indent="-285750" algn="l" rtl="0" eaLnBrk="1" fontAlgn="base" latinLnBrk="1" hangingPunct="1">
+              <a:spcBef>
+                <a:spcPct val="20000"/>
+              </a:spcBef>
+              <a:spcAft>
+                <a:spcPct val="0"/>
+              </a:spcAft>
+              <a:buChar char="–"/>
+              <a:defRPr kumimoji="1" sz="2800">
+                <a:solidFill>
+                  <a:srgbClr val="181E5E"/>
+                </a:solidFill>
+                <a:latin typeface="+mn-lt"/>
+                <a:ea typeface="+mn-ea"/>
+              </a:defRPr>
+            </a:lvl2pPr>
+            <a:lvl3pPr marL="1143000" indent="-228600" algn="l" rtl="0" eaLnBrk="1" fontAlgn="base" latinLnBrk="1" hangingPunct="1">
+              <a:spcBef>
+                <a:spcPct val="20000"/>
+              </a:spcBef>
+              <a:spcAft>
+                <a:spcPct val="0"/>
+              </a:spcAft>
+              <a:buChar char="•"/>
+              <a:defRPr kumimoji="1" sz="2400">
+                <a:solidFill>
+                  <a:srgbClr val="181E5E"/>
+                </a:solidFill>
+                <a:latin typeface="+mn-lt"/>
+                <a:ea typeface="+mn-ea"/>
+              </a:defRPr>
+            </a:lvl3pPr>
+            <a:lvl4pPr marL="1600200" indent="-228600" algn="l" rtl="0" eaLnBrk="1" fontAlgn="base" latinLnBrk="1" hangingPunct="1">
+              <a:spcBef>
+                <a:spcPct val="20000"/>
+              </a:spcBef>
+              <a:spcAft>
+                <a:spcPct val="0"/>
+              </a:spcAft>
+              <a:buChar char="–"/>
+              <a:defRPr kumimoji="1" sz="2000">
+                <a:solidFill>
+                  <a:srgbClr val="181E5E"/>
+                </a:solidFill>
+                <a:latin typeface="+mn-lt"/>
+                <a:ea typeface="+mn-ea"/>
+              </a:defRPr>
+            </a:lvl4pPr>
+            <a:lvl5pPr marL="2057400" indent="-228600" algn="l" rtl="0" eaLnBrk="1" fontAlgn="base" latinLnBrk="1" hangingPunct="1">
+              <a:spcBef>
+                <a:spcPct val="20000"/>
+              </a:spcBef>
+              <a:spcAft>
+                <a:spcPct val="0"/>
+              </a:spcAft>
+              <a:buChar char="»"/>
+              <a:defRPr kumimoji="1" sz="2000">
+                <a:solidFill>
+                  <a:srgbClr val="181E5E"/>
+                </a:solidFill>
+                <a:latin typeface="+mn-lt"/>
+                <a:ea typeface="+mn-ea"/>
+              </a:defRPr>
+            </a:lvl5pPr>
+            <a:lvl6pPr marL="2514600" indent="-228600" algn="l" rtl="0" eaLnBrk="1" fontAlgn="base" latinLnBrk="1" hangingPunct="1">
+              <a:spcBef>
+                <a:spcPct val="20000"/>
+              </a:spcBef>
+              <a:spcAft>
+                <a:spcPct val="0"/>
+              </a:spcAft>
+              <a:buChar char="»"/>
+              <a:defRPr kumimoji="1" sz="2000">
+                <a:solidFill>
+                  <a:srgbClr val="181E5E"/>
+                </a:solidFill>
+                <a:latin typeface="+mn-lt"/>
+                <a:ea typeface="+mn-ea"/>
+              </a:defRPr>
+            </a:lvl6pPr>
+            <a:lvl7pPr marL="2971800" indent="-228600" algn="l" rtl="0" eaLnBrk="1" fontAlgn="base" latinLnBrk="1" hangingPunct="1">
+              <a:spcBef>
+                <a:spcPct val="20000"/>
+              </a:spcBef>
+              <a:spcAft>
+                <a:spcPct val="0"/>
+              </a:spcAft>
+              <a:buChar char="»"/>
+              <a:defRPr kumimoji="1" sz="2000">
+                <a:solidFill>
+                  <a:srgbClr val="181E5E"/>
+                </a:solidFill>
+                <a:latin typeface="+mn-lt"/>
+                <a:ea typeface="+mn-ea"/>
+              </a:defRPr>
+            </a:lvl7pPr>
+            <a:lvl8pPr marL="3429000" indent="-228600" algn="l" rtl="0" eaLnBrk="1" fontAlgn="base" latinLnBrk="1" hangingPunct="1">
+              <a:spcBef>
+                <a:spcPct val="20000"/>
+              </a:spcBef>
+              <a:spcAft>
+                <a:spcPct val="0"/>
+              </a:spcAft>
+              <a:buChar char="»"/>
+              <a:defRPr kumimoji="1" sz="2000">
+                <a:solidFill>
+                  <a:srgbClr val="181E5E"/>
+                </a:solidFill>
+                <a:latin typeface="+mn-lt"/>
+                <a:ea typeface="+mn-ea"/>
+              </a:defRPr>
+            </a:lvl8pPr>
+            <a:lvl9pPr marL="3886200" indent="-228600" algn="l" rtl="0" eaLnBrk="1" fontAlgn="base" latinLnBrk="1" hangingPunct="1">
+              <a:spcBef>
+                <a:spcPct val="20000"/>
+              </a:spcBef>
+              <a:spcAft>
+                <a:spcPct val="0"/>
+              </a:spcAft>
+              <a:buChar char="»"/>
+              <a:defRPr kumimoji="1" sz="2000">
+                <a:solidFill>
+                  <a:srgbClr val="181E5E"/>
+                </a:solidFill>
+                <a:latin typeface="+mn-lt"/>
+                <a:ea typeface="+mn-ea"/>
+              </a:defRPr>
+            </a:lvl9pPr>
+          </a:lstStyle>
+          <a:p>
+            <a:pPr lvl="1"/>
+            <a:r>
+              <a:rPr lang="en-US" altLang="ko-KR" b="1" kern="0" dirty="0" err="1" smtClean="0">
+                <a:solidFill>
+                  <a:srgbClr val="FF0000"/>
+                </a:solidFill>
+              </a:rPr>
+              <a:t>io_service</a:t>
+            </a:r>
+            <a:r>
+              <a:rPr lang="en-US" altLang="ko-KR" b="1" kern="0" dirty="0" smtClean="0">
+                <a:solidFill>
+                  <a:srgbClr val="FF0000"/>
+                </a:solidFill>
+              </a:rPr>
+              <a:t> &amp; socket(</a:t>
+            </a:r>
+            <a:r>
+              <a:rPr lang="ko-KR" altLang="en-US" b="1" kern="0" dirty="0" smtClean="0">
+                <a:solidFill>
+                  <a:srgbClr val="FF0000"/>
+                </a:solidFill>
+              </a:rPr>
+              <a:t>해결</a:t>
+            </a:r>
+            <a:r>
+              <a:rPr lang="en-US" altLang="ko-KR" b="1" kern="0" dirty="0" smtClean="0">
+                <a:solidFill>
+                  <a:srgbClr val="FF0000"/>
+                </a:solidFill>
+              </a:rPr>
+              <a:t>)</a:t>
+            </a:r>
+            <a:r>
+              <a:rPr lang="en-US" altLang="ko-KR" kern="0" dirty="0" smtClean="0"/>
+              <a:t>: </a:t>
+            </a:r>
+            <a:r>
+              <a:rPr lang="en-US" altLang="ko-KR" kern="0" dirty="0" err="1" smtClean="0"/>
+              <a:t>io_service</a:t>
+            </a:r>
+            <a:r>
+              <a:rPr lang="ko-KR" altLang="en-US" kern="0" dirty="0" smtClean="0"/>
+              <a:t>를 이용하여 </a:t>
+            </a:r>
+            <a:r>
+              <a:rPr lang="en-US" altLang="ko-KR" kern="0" dirty="0" smtClean="0"/>
+              <a:t>socket</a:t>
+            </a:r>
+            <a:r>
+              <a:rPr lang="ko-KR" altLang="en-US" kern="0" dirty="0" smtClean="0"/>
+              <a:t>을 초기화</a:t>
+            </a:r>
+            <a:r>
+              <a:rPr lang="en-US" altLang="ko-KR" kern="0" dirty="0" smtClean="0"/>
+              <a:t>. accept</a:t>
+            </a:r>
+            <a:r>
+              <a:rPr lang="ko-KR" altLang="en-US" kern="0" dirty="0" smtClean="0"/>
+              <a:t>가 완료되면 소켓이 열리면서 정보가 재설정 됨</a:t>
+            </a:r>
+            <a:r>
+              <a:rPr lang="en-US" altLang="ko-KR" kern="0" dirty="0" smtClean="0"/>
+              <a:t>.</a:t>
+            </a:r>
+            <a:endParaRPr lang="ko-KR" altLang="en-US" kern="0" dirty="0"/>
+          </a:p>
+        </p:txBody>
+      </p:sp>
+      <p:sp>
+        <p:nvSpPr>
+          <p:cNvPr id="9" name="내용 개체 틀 2"/>
+          <p:cNvSpPr txBox="1">
+            <a:spLocks/>
+          </p:cNvSpPr>
+          <p:nvPr/>
+        </p:nvSpPr>
+        <p:spPr bwMode="auto">
+          <a:xfrm>
+            <a:off x="539552" y="3717032"/>
+            <a:ext cx="8010525" cy="1800200"/>
+          </a:xfrm>
+          <a:prstGeom prst="rect">
+            <a:avLst/>
+          </a:prstGeom>
+          <a:solidFill>
+            <a:schemeClr val="bg1"/>
+          </a:solidFill>
+          <a:ln>
+            <a:noFill/>
+          </a:ln>
+          <a:extLst/>
+        </p:spPr>
+        <p:txBody>
+          <a:bodyPr vert="horz" wrap="square" lIns="91440" tIns="45720" rIns="91440" bIns="45720" numCol="1" anchor="t" anchorCtr="0" compatLnSpc="1">
+            <a:prstTxWarp prst="textNoShape">
+              <a:avLst/>
+            </a:prstTxWarp>
+          </a:bodyPr>
+          <a:lstStyle>
+            <a:lvl1pPr marL="342900" indent="-342900" algn="l" rtl="0" eaLnBrk="1" fontAlgn="base" latinLnBrk="1" hangingPunct="1">
+              <a:spcBef>
+                <a:spcPct val="20000"/>
+              </a:spcBef>
+              <a:spcAft>
+                <a:spcPct val="0"/>
+              </a:spcAft>
+              <a:buChar char="•"/>
+              <a:defRPr kumimoji="1" sz="3200">
+                <a:solidFill>
+                  <a:srgbClr val="181E5E"/>
+                </a:solidFill>
+                <a:latin typeface="+mn-lt"/>
+                <a:ea typeface="+mn-ea"/>
+                <a:cs typeface="+mn-cs"/>
+              </a:defRPr>
+            </a:lvl1pPr>
+            <a:lvl2pPr marL="742950" indent="-285750" algn="l" rtl="0" eaLnBrk="1" fontAlgn="base" latinLnBrk="1" hangingPunct="1">
+              <a:spcBef>
+                <a:spcPct val="20000"/>
+              </a:spcBef>
+              <a:spcAft>
+                <a:spcPct val="0"/>
+              </a:spcAft>
+              <a:buChar char="–"/>
+              <a:defRPr kumimoji="1" sz="2800">
+                <a:solidFill>
+                  <a:srgbClr val="181E5E"/>
+                </a:solidFill>
+                <a:latin typeface="+mn-lt"/>
+                <a:ea typeface="+mn-ea"/>
+              </a:defRPr>
+            </a:lvl2pPr>
+            <a:lvl3pPr marL="1143000" indent="-228600" algn="l" rtl="0" eaLnBrk="1" fontAlgn="base" latinLnBrk="1" hangingPunct="1">
+              <a:spcBef>
+                <a:spcPct val="20000"/>
+              </a:spcBef>
+              <a:spcAft>
+                <a:spcPct val="0"/>
+              </a:spcAft>
+              <a:buChar char="•"/>
+              <a:defRPr kumimoji="1" sz="2400">
+                <a:solidFill>
+                  <a:srgbClr val="181E5E"/>
+                </a:solidFill>
+                <a:latin typeface="+mn-lt"/>
+                <a:ea typeface="+mn-ea"/>
+              </a:defRPr>
+            </a:lvl3pPr>
+            <a:lvl4pPr marL="1600200" indent="-228600" algn="l" rtl="0" eaLnBrk="1" fontAlgn="base" latinLnBrk="1" hangingPunct="1">
+              <a:spcBef>
+                <a:spcPct val="20000"/>
+              </a:spcBef>
+              <a:spcAft>
+                <a:spcPct val="0"/>
+              </a:spcAft>
+              <a:buChar char="–"/>
+              <a:defRPr kumimoji="1" sz="2000">
+                <a:solidFill>
+                  <a:srgbClr val="181E5E"/>
+                </a:solidFill>
+                <a:latin typeface="+mn-lt"/>
+                <a:ea typeface="+mn-ea"/>
+              </a:defRPr>
+            </a:lvl4pPr>
+            <a:lvl5pPr marL="2057400" indent="-228600" algn="l" rtl="0" eaLnBrk="1" fontAlgn="base" latinLnBrk="1" hangingPunct="1">
+              <a:spcBef>
+                <a:spcPct val="20000"/>
+              </a:spcBef>
+              <a:spcAft>
+                <a:spcPct val="0"/>
+              </a:spcAft>
+              <a:buChar char="»"/>
+              <a:defRPr kumimoji="1" sz="2000">
+                <a:solidFill>
+                  <a:srgbClr val="181E5E"/>
+                </a:solidFill>
+                <a:latin typeface="+mn-lt"/>
+                <a:ea typeface="+mn-ea"/>
+              </a:defRPr>
+            </a:lvl5pPr>
+            <a:lvl6pPr marL="2514600" indent="-228600" algn="l" rtl="0" eaLnBrk="1" fontAlgn="base" latinLnBrk="1" hangingPunct="1">
+              <a:spcBef>
+                <a:spcPct val="20000"/>
+              </a:spcBef>
+              <a:spcAft>
+                <a:spcPct val="0"/>
+              </a:spcAft>
+              <a:buChar char="»"/>
+              <a:defRPr kumimoji="1" sz="2000">
+                <a:solidFill>
+                  <a:srgbClr val="181E5E"/>
+                </a:solidFill>
+                <a:latin typeface="+mn-lt"/>
+                <a:ea typeface="+mn-ea"/>
+              </a:defRPr>
+            </a:lvl6pPr>
+            <a:lvl7pPr marL="2971800" indent="-228600" algn="l" rtl="0" eaLnBrk="1" fontAlgn="base" latinLnBrk="1" hangingPunct="1">
+              <a:spcBef>
+                <a:spcPct val="20000"/>
+              </a:spcBef>
+              <a:spcAft>
+                <a:spcPct val="0"/>
+              </a:spcAft>
+              <a:buChar char="»"/>
+              <a:defRPr kumimoji="1" sz="2000">
+                <a:solidFill>
+                  <a:srgbClr val="181E5E"/>
+                </a:solidFill>
+                <a:latin typeface="+mn-lt"/>
+                <a:ea typeface="+mn-ea"/>
+              </a:defRPr>
+            </a:lvl7pPr>
+            <a:lvl8pPr marL="3429000" indent="-228600" algn="l" rtl="0" eaLnBrk="1" fontAlgn="base" latinLnBrk="1" hangingPunct="1">
+              <a:spcBef>
+                <a:spcPct val="20000"/>
+              </a:spcBef>
+              <a:spcAft>
+                <a:spcPct val="0"/>
+              </a:spcAft>
+              <a:buChar char="»"/>
+              <a:defRPr kumimoji="1" sz="2000">
+                <a:solidFill>
+                  <a:srgbClr val="181E5E"/>
+                </a:solidFill>
+                <a:latin typeface="+mn-lt"/>
+                <a:ea typeface="+mn-ea"/>
+              </a:defRPr>
+            </a:lvl8pPr>
+            <a:lvl9pPr marL="3886200" indent="-228600" algn="l" rtl="0" eaLnBrk="1" fontAlgn="base" latinLnBrk="1" hangingPunct="1">
+              <a:spcBef>
+                <a:spcPct val="20000"/>
+              </a:spcBef>
+              <a:spcAft>
+                <a:spcPct val="0"/>
+              </a:spcAft>
+              <a:buChar char="»"/>
+              <a:defRPr kumimoji="1" sz="2000">
+                <a:solidFill>
+                  <a:srgbClr val="181E5E"/>
+                </a:solidFill>
+                <a:latin typeface="+mn-lt"/>
+                <a:ea typeface="+mn-ea"/>
+              </a:defRPr>
+            </a:lvl9pPr>
+          </a:lstStyle>
+          <a:p>
+            <a:pPr lvl="1"/>
+            <a:r>
+              <a:rPr lang="en-US" altLang="ko-KR" b="1" kern="0" dirty="0" err="1" smtClean="0">
+                <a:solidFill>
+                  <a:srgbClr val="FF0000"/>
+                </a:solidFill>
+              </a:rPr>
+              <a:t>steady_timer</a:t>
+            </a:r>
+            <a:r>
+              <a:rPr lang="en-US" altLang="ko-KR" b="1" kern="0" dirty="0" smtClean="0">
+                <a:solidFill>
+                  <a:srgbClr val="FF0000"/>
+                </a:solidFill>
+              </a:rPr>
+              <a:t>(</a:t>
+            </a:r>
+            <a:r>
+              <a:rPr lang="ko-KR" altLang="en-US" b="1" kern="0" dirty="0" smtClean="0">
+                <a:solidFill>
+                  <a:srgbClr val="FF0000"/>
+                </a:solidFill>
+              </a:rPr>
+              <a:t>해결</a:t>
+            </a:r>
+            <a:r>
+              <a:rPr lang="en-US" altLang="ko-KR" b="1" kern="0" dirty="0" smtClean="0">
+                <a:solidFill>
+                  <a:srgbClr val="FF0000"/>
+                </a:solidFill>
+              </a:rPr>
+              <a:t>)</a:t>
+            </a:r>
+            <a:r>
+              <a:rPr lang="en-US" altLang="ko-KR" kern="0" dirty="0" smtClean="0"/>
+              <a:t>: </a:t>
+            </a:r>
+            <a:r>
+              <a:rPr lang="ko-KR" altLang="en-US" kern="0" dirty="0" smtClean="0"/>
+              <a:t>사용하지 않기로 함</a:t>
+            </a:r>
+            <a:r>
+              <a:rPr lang="en-US" altLang="ko-KR" kern="0" dirty="0" smtClean="0"/>
+              <a:t>. boost::</a:t>
+            </a:r>
+            <a:r>
+              <a:rPr lang="en-US" altLang="ko-KR" kern="0" dirty="0" err="1" smtClean="0"/>
+              <a:t>chrono</a:t>
+            </a:r>
+            <a:r>
+              <a:rPr lang="ko-KR" altLang="en-US" kern="0" dirty="0" smtClean="0"/>
+              <a:t>로 현재 시간을 비교하여 작업하도록 변경 함</a:t>
+            </a:r>
+            <a:r>
+              <a:rPr lang="en-US" altLang="ko-KR" kern="0" dirty="0" smtClean="0"/>
+              <a:t>.</a:t>
+            </a:r>
+            <a:endParaRPr lang="ko-KR" altLang="en-US" kern="0" dirty="0"/>
+          </a:p>
+        </p:txBody>
+      </p:sp>
+    </p:spTree>
+    <p:extLst>
+      <p:ext uri="{BB962C8B-B14F-4D97-AF65-F5344CB8AC3E}">
+        <p14:creationId xmlns:p14="http://schemas.microsoft.com/office/powerpoint/2010/main" val="3593867205"/>
+      </p:ext>
+    </p:extLst>
+  </p:cSld>
+  <p:clrMapOvr>
+    <a:masterClrMapping/>
+  </p:clrMapOvr>
+  <mc:AlternateContent xmlns:mc="http://schemas.openxmlformats.org/markup-compatibility/2006" xmlns:p14="http://schemas.microsoft.com/office/powerpoint/2010/main">
+    <mc:Choice Requires="p14">
+      <p:transition p14:dur="10" advClick="0"/>
+    </mc:Choice>
+    <mc:Fallback xmlns="">
+      <p:transition advClick="0"/>
+    </mc:Fallback>
+  </mc:AlternateContent>
+  <p:timing>
+    <p:tnLst>
+      <p:par>
+        <p:cTn id="1" dur="indefinite" restart="never" nodeType="tmRoot">
+          <p:childTnLst>
+            <p:seq concurrent="1" nextAc="seek">
+              <p:cTn id="2" dur="indefinite" nodeType="mainSeq">
+                <p:childTnLst>
+                  <p:par>
+                    <p:cTn id="3" fill="hold">
+                      <p:stCondLst>
+                        <p:cond delay="indefinite"/>
+                      </p:stCondLst>
+                      <p:childTnLst>
+                        <p:par>
+                          <p:cTn id="4" fill="hold">
+                            <p:stCondLst>
+                              <p:cond delay="0"/>
+                            </p:stCondLst>
+                            <p:childTnLst>
+                              <p:par>
+                                <p:cTn id="5" presetID="22" presetClass="entr" presetSubtype="1" fill="hold" grpId="0" nodeType="clickEffect">
+                                  <p:stCondLst>
+                                    <p:cond delay="0"/>
+                                  </p:stCondLst>
+                                  <p:childTnLst>
+                                    <p:set>
+                                      <p:cBhvr>
+                                        <p:cTn id="6" dur="1" fill="hold">
+                                          <p:stCondLst>
+                                            <p:cond delay="0"/>
+                                          </p:stCondLst>
+                                        </p:cTn>
+                                        <p:tgtEl>
+                                          <p:spTgt spid="8"/>
+                                        </p:tgtEl>
+                                        <p:attrNameLst>
+                                          <p:attrName>style.visibility</p:attrName>
+                                        </p:attrNameLst>
+                                      </p:cBhvr>
+                                      <p:to>
+                                        <p:strVal val="visible"/>
+                                      </p:to>
+                                    </p:set>
+                                    <p:animEffect transition="in" filter="wipe(up)">
+                                      <p:cBhvr>
+                                        <p:cTn id="7" dur="500"/>
+                                        <p:tgtEl>
+                                          <p:spTgt spid="8"/>
+                                        </p:tgtEl>
+                                      </p:cBhvr>
+                                    </p:animEffect>
+                                  </p:childTnLst>
+                                </p:cTn>
+                              </p:par>
+                            </p:childTnLst>
+                          </p:cTn>
+                        </p:par>
+                      </p:childTnLst>
+                    </p:cTn>
+                  </p:par>
+                  <p:par>
+                    <p:cTn id="8" fill="hold">
+                      <p:stCondLst>
+                        <p:cond delay="indefinite"/>
+                      </p:stCondLst>
+                      <p:childTnLst>
+                        <p:par>
+                          <p:cTn id="9" fill="hold">
+                            <p:stCondLst>
+                              <p:cond delay="0"/>
+                            </p:stCondLst>
+                            <p:childTnLst>
+                              <p:par>
+                                <p:cTn id="10" presetID="22" presetClass="entr" presetSubtype="1" fill="hold" grpId="0" nodeType="clickEffect">
+                                  <p:stCondLst>
+                                    <p:cond delay="0"/>
+                                  </p:stCondLst>
+                                  <p:childTnLst>
+                                    <p:set>
+                                      <p:cBhvr>
+                                        <p:cTn id="11" dur="1" fill="hold">
+                                          <p:stCondLst>
+                                            <p:cond delay="0"/>
+                                          </p:stCondLst>
+                                        </p:cTn>
+                                        <p:tgtEl>
+                                          <p:spTgt spid="9"/>
+                                        </p:tgtEl>
+                                        <p:attrNameLst>
+                                          <p:attrName>style.visibility</p:attrName>
+                                        </p:attrNameLst>
+                                      </p:cBhvr>
+                                      <p:to>
+                                        <p:strVal val="visible"/>
+                                      </p:to>
+                                    </p:set>
+                                    <p:animEffect transition="in" filter="wipe(up)">
+                                      <p:cBhvr>
+                                        <p:cTn id="12" dur="500"/>
+                                        <p:tgtEl>
+                                          <p:spTgt spid="9"/>
+                                        </p:tgtEl>
+                                      </p:cBhvr>
+                                    </p:animEffect>
+                                  </p:childTnLst>
+                                </p:cTn>
+                              </p:par>
+                            </p:childTnLst>
+                          </p:cTn>
+                        </p:par>
+                      </p:childTnLst>
+                    </p:cTn>
+                  </p:par>
+                </p:childTnLst>
+              </p:cTn>
+              <p:prevCondLst>
+                <p:cond evt="onPrev" delay="0">
+                  <p:tgtEl>
+                    <p:sldTgt/>
+                  </p:tgtEl>
+                </p:cond>
+              </p:prevCondLst>
+              <p:nextCondLst>
+                <p:cond evt="onNext" delay="0">
+                  <p:tgtEl>
+                    <p:sldTgt/>
+                  </p:tgtEl>
+                </p:cond>
+              </p:nextCondLst>
+            </p:seq>
+          </p:childTnLst>
+        </p:cTn>
+      </p:par>
+    </p:tnLst>
+    <p:bldLst>
+      <p:bldP spid="8" grpId="0" animBg="1"/>
+      <p:bldP spid="9" grpId="0" animBg="1"/>
+    </p:bldLst>
+  </p:timing>
+</p:sld>
+</file>
+
+<file path=ppt/slides/slide12.xml><?xml version="1.0" encoding="utf-8"?>
+<p:sld xmlns:a="http://schemas.openxmlformats.org/drawingml/2006/main" xmlns:r="http://schemas.openxmlformats.org/officeDocument/2006/relationships" xmlns:p="http://schemas.openxmlformats.org/presentationml/2006/main">
+  <p:cSld>
+    <p:spTree>
+      <p:nvGrpSpPr>
+        <p:cNvPr id="1" name=""/>
+        <p:cNvGrpSpPr/>
+        <p:nvPr/>
+      </p:nvGrpSpPr>
+      <p:grpSpPr>
+        <a:xfrm>
+          <a:off x="0" y="0"/>
+          <a:ext cx="0" cy="0"/>
+          <a:chOff x="0" y="0"/>
+          <a:chExt cx="0" cy="0"/>
+        </a:xfrm>
+      </p:grpSpPr>
+      <p:sp>
+        <p:nvSpPr>
+          <p:cNvPr id="2" name="제목 1"/>
+          <p:cNvSpPr>
+            <a:spLocks noGrp="1"/>
+          </p:cNvSpPr>
+          <p:nvPr>
+            <p:ph type="title"/>
+          </p:nvPr>
+        </p:nvSpPr>
+        <p:spPr/>
+        <p:txBody>
+          <a:bodyPr/>
+          <a:lstStyle/>
+          <a:p>
+            <a:r>
+              <a:rPr lang="en-US" altLang="ko-KR" dirty="0" smtClean="0"/>
+              <a:t>3. </a:t>
+            </a:r>
+            <a:r>
+              <a:rPr lang="ko-KR" altLang="en-US" dirty="0" smtClean="0"/>
+              <a:t>연구진행</a:t>
+            </a:r>
+            <a:endParaRPr lang="ko-KR" altLang="en-US" dirty="0"/>
+          </a:p>
+        </p:txBody>
+      </p:sp>
+      <p:sp>
+        <p:nvSpPr>
+          <p:cNvPr id="3" name="내용 개체 틀 2"/>
+          <p:cNvSpPr>
+            <a:spLocks noGrp="1"/>
+          </p:cNvSpPr>
+          <p:nvPr>
+            <p:ph idx="1"/>
+          </p:nvPr>
+        </p:nvSpPr>
+        <p:spPr/>
+        <p:txBody>
+          <a:bodyPr/>
+          <a:lstStyle/>
+          <a:p>
+            <a:r>
+              <a:rPr lang="ko-KR" altLang="en-US" dirty="0" smtClean="0"/>
+              <a:t>문제</a:t>
+            </a:r>
+            <a:endParaRPr lang="en-US" altLang="ko-KR" dirty="0" smtClean="0"/>
+          </a:p>
+          <a:p>
+            <a:pPr lvl="1"/>
+            <a:r>
+              <a:rPr lang="en-US" altLang="ko-KR" dirty="0" smtClean="0"/>
+              <a:t>send: </a:t>
+            </a:r>
+            <a:r>
+              <a:rPr lang="ko-KR" altLang="en-US" dirty="0" smtClean="0"/>
+              <a:t>클라이언트로 </a:t>
+            </a:r>
+            <a:r>
+              <a:rPr lang="ko-KR" altLang="en-US" dirty="0" err="1" smtClean="0"/>
+              <a:t>패킷</a:t>
+            </a:r>
+            <a:r>
+              <a:rPr lang="ko-KR" altLang="en-US" dirty="0" smtClean="0"/>
+              <a:t> 전송이 성공하더라도 </a:t>
+            </a:r>
+            <a:r>
+              <a:rPr lang="en-US" altLang="ko-KR" dirty="0" err="1"/>
+              <a:t>async_write</a:t>
+            </a:r>
+            <a:r>
+              <a:rPr lang="en-US" altLang="ko-KR" dirty="0" smtClean="0"/>
+              <a:t>()</a:t>
+            </a:r>
+            <a:r>
+              <a:rPr lang="ko-KR" altLang="en-US" dirty="0" smtClean="0"/>
+              <a:t>에 </a:t>
+            </a:r>
+            <a:r>
+              <a:rPr lang="en-US" altLang="ko-KR" dirty="0" smtClean="0"/>
+              <a:t>bind</a:t>
+            </a:r>
+            <a:r>
+              <a:rPr lang="ko-KR" altLang="en-US" dirty="0" smtClean="0"/>
+              <a:t>된 함수가 바로 호출되지 않음</a:t>
+            </a:r>
+            <a:endParaRPr lang="en-US" altLang="ko-KR" dirty="0" smtClean="0"/>
+          </a:p>
+          <a:p>
+            <a:pPr lvl="1"/>
+            <a:endParaRPr lang="en-US" altLang="ko-KR" dirty="0" smtClean="0"/>
+          </a:p>
+          <a:p>
+            <a:pPr lvl="1"/>
+            <a:r>
+              <a:rPr lang="en-US" altLang="ko-KR" dirty="0" smtClean="0"/>
+              <a:t>send: </a:t>
+            </a:r>
+            <a:r>
+              <a:rPr lang="ko-KR" altLang="en-US" dirty="0" smtClean="0"/>
+              <a:t>전송 처리가 완료되지 않은 경우 </a:t>
+            </a:r>
+            <a:r>
+              <a:rPr lang="en-US" altLang="ko-KR" dirty="0" smtClean="0"/>
+              <a:t>queue</a:t>
+            </a:r>
+            <a:r>
+              <a:rPr lang="ko-KR" altLang="en-US" dirty="0" smtClean="0"/>
+              <a:t>에 </a:t>
+            </a:r>
+            <a:r>
+              <a:rPr lang="ko-KR" altLang="en-US" dirty="0" err="1" smtClean="0"/>
+              <a:t>패킷을</a:t>
+            </a:r>
+            <a:r>
+              <a:rPr lang="ko-KR" altLang="en-US" dirty="0" smtClean="0"/>
+              <a:t> 넣고 순차적으로 처리하는 형태이나 </a:t>
+            </a:r>
+            <a:r>
+              <a:rPr lang="en-US" altLang="ko-KR" dirty="0" smtClean="0"/>
+              <a:t>id</a:t>
+            </a:r>
+            <a:r>
+              <a:rPr lang="ko-KR" altLang="en-US" dirty="0" smtClean="0"/>
+              <a:t>와 크기가 제대로 들어가지 않음</a:t>
+            </a:r>
+            <a:endParaRPr lang="en-US" altLang="ko-KR" dirty="0" smtClean="0"/>
+          </a:p>
+          <a:p>
+            <a:pPr lvl="1"/>
+            <a:endParaRPr lang="ko-KR" altLang="en-US" dirty="0"/>
+          </a:p>
+        </p:txBody>
+      </p:sp>
+      <p:sp>
+        <p:nvSpPr>
+          <p:cNvPr id="5" name="내용 개체 틀 2"/>
+          <p:cNvSpPr txBox="1">
+            <a:spLocks/>
+          </p:cNvSpPr>
+          <p:nvPr/>
+        </p:nvSpPr>
+        <p:spPr bwMode="auto">
+          <a:xfrm>
+            <a:off x="539552" y="1844824"/>
+            <a:ext cx="8010525" cy="1368153"/>
+          </a:xfrm>
+          <a:prstGeom prst="rect">
+            <a:avLst/>
+          </a:prstGeom>
+          <a:solidFill>
+            <a:schemeClr val="bg1"/>
+          </a:solidFill>
+          <a:ln>
+            <a:noFill/>
+          </a:ln>
+          <a:extLst/>
+        </p:spPr>
+        <p:txBody>
+          <a:bodyPr vert="horz" wrap="square" lIns="91440" tIns="45720" rIns="91440" bIns="45720" numCol="1" anchor="t" anchorCtr="0" compatLnSpc="1">
+            <a:prstTxWarp prst="textNoShape">
+              <a:avLst/>
+            </a:prstTxWarp>
+          </a:bodyPr>
+          <a:lstStyle>
+            <a:lvl1pPr marL="342900" indent="-342900" algn="l" rtl="0" eaLnBrk="1" fontAlgn="base" latinLnBrk="1" hangingPunct="1">
+              <a:spcBef>
+                <a:spcPct val="20000"/>
+              </a:spcBef>
+              <a:spcAft>
+                <a:spcPct val="0"/>
+              </a:spcAft>
+              <a:buChar char="•"/>
+              <a:defRPr kumimoji="1" sz="3200">
+                <a:solidFill>
+                  <a:srgbClr val="181E5E"/>
+                </a:solidFill>
+                <a:latin typeface="+mn-lt"/>
+                <a:ea typeface="+mn-ea"/>
+                <a:cs typeface="+mn-cs"/>
+              </a:defRPr>
+            </a:lvl1pPr>
+            <a:lvl2pPr marL="742950" indent="-285750" algn="l" rtl="0" eaLnBrk="1" fontAlgn="base" latinLnBrk="1" hangingPunct="1">
+              <a:spcBef>
+                <a:spcPct val="20000"/>
+              </a:spcBef>
+              <a:spcAft>
+                <a:spcPct val="0"/>
+              </a:spcAft>
+              <a:buChar char="–"/>
+              <a:defRPr kumimoji="1" sz="2800">
+                <a:solidFill>
+                  <a:srgbClr val="181E5E"/>
+                </a:solidFill>
+                <a:latin typeface="+mn-lt"/>
+                <a:ea typeface="+mn-ea"/>
+              </a:defRPr>
+            </a:lvl2pPr>
+            <a:lvl3pPr marL="1143000" indent="-228600" algn="l" rtl="0" eaLnBrk="1" fontAlgn="base" latinLnBrk="1" hangingPunct="1">
+              <a:spcBef>
+                <a:spcPct val="20000"/>
+              </a:spcBef>
+              <a:spcAft>
+                <a:spcPct val="0"/>
+              </a:spcAft>
+              <a:buChar char="•"/>
+              <a:defRPr kumimoji="1" sz="2400">
+                <a:solidFill>
+                  <a:srgbClr val="181E5E"/>
+                </a:solidFill>
+                <a:latin typeface="+mn-lt"/>
+                <a:ea typeface="+mn-ea"/>
+              </a:defRPr>
+            </a:lvl3pPr>
+            <a:lvl4pPr marL="1600200" indent="-228600" algn="l" rtl="0" eaLnBrk="1" fontAlgn="base" latinLnBrk="1" hangingPunct="1">
+              <a:spcBef>
+                <a:spcPct val="20000"/>
+              </a:spcBef>
+              <a:spcAft>
+                <a:spcPct val="0"/>
+              </a:spcAft>
+              <a:buChar char="–"/>
+              <a:defRPr kumimoji="1" sz="2000">
+                <a:solidFill>
+                  <a:srgbClr val="181E5E"/>
+                </a:solidFill>
+                <a:latin typeface="+mn-lt"/>
+                <a:ea typeface="+mn-ea"/>
+              </a:defRPr>
+            </a:lvl4pPr>
+            <a:lvl5pPr marL="2057400" indent="-228600" algn="l" rtl="0" eaLnBrk="1" fontAlgn="base" latinLnBrk="1" hangingPunct="1">
+              <a:spcBef>
+                <a:spcPct val="20000"/>
+              </a:spcBef>
+              <a:spcAft>
+                <a:spcPct val="0"/>
+              </a:spcAft>
+              <a:buChar char="»"/>
+              <a:defRPr kumimoji="1" sz="2000">
+                <a:solidFill>
+                  <a:srgbClr val="181E5E"/>
+                </a:solidFill>
+                <a:latin typeface="+mn-lt"/>
+                <a:ea typeface="+mn-ea"/>
+              </a:defRPr>
+            </a:lvl5pPr>
+            <a:lvl6pPr marL="2514600" indent="-228600" algn="l" rtl="0" eaLnBrk="1" fontAlgn="base" latinLnBrk="1" hangingPunct="1">
+              <a:spcBef>
+                <a:spcPct val="20000"/>
+              </a:spcBef>
+              <a:spcAft>
+                <a:spcPct val="0"/>
+              </a:spcAft>
+              <a:buChar char="»"/>
+              <a:defRPr kumimoji="1" sz="2000">
+                <a:solidFill>
+                  <a:srgbClr val="181E5E"/>
+                </a:solidFill>
+                <a:latin typeface="+mn-lt"/>
+                <a:ea typeface="+mn-ea"/>
+              </a:defRPr>
+            </a:lvl6pPr>
+            <a:lvl7pPr marL="2971800" indent="-228600" algn="l" rtl="0" eaLnBrk="1" fontAlgn="base" latinLnBrk="1" hangingPunct="1">
+              <a:spcBef>
+                <a:spcPct val="20000"/>
+              </a:spcBef>
+              <a:spcAft>
+                <a:spcPct val="0"/>
+              </a:spcAft>
+              <a:buChar char="»"/>
+              <a:defRPr kumimoji="1" sz="2000">
+                <a:solidFill>
+                  <a:srgbClr val="181E5E"/>
+                </a:solidFill>
+                <a:latin typeface="+mn-lt"/>
+                <a:ea typeface="+mn-ea"/>
+              </a:defRPr>
+            </a:lvl7pPr>
+            <a:lvl8pPr marL="3429000" indent="-228600" algn="l" rtl="0" eaLnBrk="1" fontAlgn="base" latinLnBrk="1" hangingPunct="1">
+              <a:spcBef>
+                <a:spcPct val="20000"/>
+              </a:spcBef>
+              <a:spcAft>
+                <a:spcPct val="0"/>
+              </a:spcAft>
+              <a:buChar char="»"/>
+              <a:defRPr kumimoji="1" sz="2000">
+                <a:solidFill>
+                  <a:srgbClr val="181E5E"/>
+                </a:solidFill>
+                <a:latin typeface="+mn-lt"/>
+                <a:ea typeface="+mn-ea"/>
+              </a:defRPr>
+            </a:lvl8pPr>
+            <a:lvl9pPr marL="3886200" indent="-228600" algn="l" rtl="0" eaLnBrk="1" fontAlgn="base" latinLnBrk="1" hangingPunct="1">
+              <a:spcBef>
+                <a:spcPct val="20000"/>
+              </a:spcBef>
+              <a:spcAft>
+                <a:spcPct val="0"/>
+              </a:spcAft>
+              <a:buChar char="»"/>
+              <a:defRPr kumimoji="1" sz="2000">
+                <a:solidFill>
+                  <a:srgbClr val="181E5E"/>
+                </a:solidFill>
+                <a:latin typeface="+mn-lt"/>
+                <a:ea typeface="+mn-ea"/>
+              </a:defRPr>
+            </a:lvl9pPr>
+          </a:lstStyle>
+          <a:p>
+            <a:pPr lvl="1"/>
+            <a:r>
+              <a:rPr lang="en-US" altLang="ko-KR" b="1" dirty="0">
+                <a:solidFill>
+                  <a:srgbClr val="0070C0"/>
+                </a:solidFill>
+              </a:rPr>
+              <a:t>s</a:t>
+            </a:r>
+            <a:r>
+              <a:rPr lang="en-US" altLang="ko-KR" b="1" dirty="0" smtClean="0">
+                <a:solidFill>
+                  <a:srgbClr val="0070C0"/>
+                </a:solidFill>
+              </a:rPr>
+              <a:t>end(</a:t>
+            </a:r>
+            <a:r>
+              <a:rPr lang="ko-KR" altLang="en-US" b="1" dirty="0" smtClean="0">
+                <a:solidFill>
+                  <a:srgbClr val="0070C0"/>
+                </a:solidFill>
+              </a:rPr>
+              <a:t>미해결</a:t>
+            </a:r>
+            <a:r>
+              <a:rPr lang="en-US" altLang="ko-KR" b="1" dirty="0" smtClean="0">
+                <a:solidFill>
+                  <a:srgbClr val="0070C0"/>
+                </a:solidFill>
+              </a:rPr>
+              <a:t>)</a:t>
+            </a:r>
+            <a:r>
+              <a:rPr lang="en-US" altLang="ko-KR" dirty="0" smtClean="0"/>
+              <a:t>: </a:t>
+            </a:r>
+            <a:r>
+              <a:rPr lang="ko-KR" altLang="en-US" dirty="0" smtClean="0"/>
+              <a:t>해당 문제는 일괄 처리되는 </a:t>
+            </a:r>
+            <a:r>
+              <a:rPr lang="en-US" altLang="ko-KR" dirty="0" smtClean="0"/>
+              <a:t>send </a:t>
+            </a:r>
+            <a:r>
+              <a:rPr lang="ko-KR" altLang="en-US" dirty="0" smtClean="0"/>
+              <a:t>작업이 많아질 수록 계속 생겨남</a:t>
+            </a:r>
+            <a:r>
+              <a:rPr lang="en-US" altLang="ko-KR" dirty="0" smtClean="0"/>
+              <a:t>.</a:t>
+            </a:r>
+            <a:endParaRPr lang="en-US" altLang="ko-KR" dirty="0"/>
+          </a:p>
+        </p:txBody>
+      </p:sp>
+      <p:sp>
+        <p:nvSpPr>
+          <p:cNvPr id="6" name="내용 개체 틀 2"/>
+          <p:cNvSpPr txBox="1">
+            <a:spLocks/>
+          </p:cNvSpPr>
+          <p:nvPr/>
+        </p:nvSpPr>
+        <p:spPr bwMode="auto">
+          <a:xfrm>
+            <a:off x="539552" y="3717032"/>
+            <a:ext cx="8010525" cy="1368152"/>
+          </a:xfrm>
+          <a:prstGeom prst="rect">
+            <a:avLst/>
+          </a:prstGeom>
+          <a:solidFill>
+            <a:schemeClr val="bg1"/>
+          </a:solidFill>
+          <a:ln>
+            <a:noFill/>
+          </a:ln>
+          <a:extLst/>
+        </p:spPr>
+        <p:txBody>
+          <a:bodyPr vert="horz" wrap="square" lIns="91440" tIns="45720" rIns="91440" bIns="45720" numCol="1" anchor="t" anchorCtr="0" compatLnSpc="1">
+            <a:prstTxWarp prst="textNoShape">
+              <a:avLst/>
+            </a:prstTxWarp>
+          </a:bodyPr>
+          <a:lstStyle>
+            <a:lvl1pPr marL="342900" indent="-342900" algn="l" rtl="0" eaLnBrk="1" fontAlgn="base" latinLnBrk="1" hangingPunct="1">
+              <a:spcBef>
+                <a:spcPct val="20000"/>
+              </a:spcBef>
+              <a:spcAft>
+                <a:spcPct val="0"/>
+              </a:spcAft>
+              <a:buChar char="•"/>
+              <a:defRPr kumimoji="1" sz="3200">
+                <a:solidFill>
+                  <a:srgbClr val="181E5E"/>
+                </a:solidFill>
+                <a:latin typeface="+mn-lt"/>
+                <a:ea typeface="+mn-ea"/>
+                <a:cs typeface="+mn-cs"/>
+              </a:defRPr>
+            </a:lvl1pPr>
+            <a:lvl2pPr marL="742950" indent="-285750" algn="l" rtl="0" eaLnBrk="1" fontAlgn="base" latinLnBrk="1" hangingPunct="1">
+              <a:spcBef>
+                <a:spcPct val="20000"/>
+              </a:spcBef>
+              <a:spcAft>
+                <a:spcPct val="0"/>
+              </a:spcAft>
+              <a:buChar char="–"/>
+              <a:defRPr kumimoji="1" sz="2800">
+                <a:solidFill>
+                  <a:srgbClr val="181E5E"/>
+                </a:solidFill>
+                <a:latin typeface="+mn-lt"/>
+                <a:ea typeface="+mn-ea"/>
+              </a:defRPr>
+            </a:lvl2pPr>
+            <a:lvl3pPr marL="1143000" indent="-228600" algn="l" rtl="0" eaLnBrk="1" fontAlgn="base" latinLnBrk="1" hangingPunct="1">
+              <a:spcBef>
+                <a:spcPct val="20000"/>
+              </a:spcBef>
+              <a:spcAft>
+                <a:spcPct val="0"/>
+              </a:spcAft>
+              <a:buChar char="•"/>
+              <a:defRPr kumimoji="1" sz="2400">
+                <a:solidFill>
+                  <a:srgbClr val="181E5E"/>
+                </a:solidFill>
+                <a:latin typeface="+mn-lt"/>
+                <a:ea typeface="+mn-ea"/>
+              </a:defRPr>
+            </a:lvl3pPr>
+            <a:lvl4pPr marL="1600200" indent="-228600" algn="l" rtl="0" eaLnBrk="1" fontAlgn="base" latinLnBrk="1" hangingPunct="1">
+              <a:spcBef>
+                <a:spcPct val="20000"/>
+              </a:spcBef>
+              <a:spcAft>
+                <a:spcPct val="0"/>
+              </a:spcAft>
+              <a:buChar char="–"/>
+              <a:defRPr kumimoji="1" sz="2000">
+                <a:solidFill>
+                  <a:srgbClr val="181E5E"/>
+                </a:solidFill>
+                <a:latin typeface="+mn-lt"/>
+                <a:ea typeface="+mn-ea"/>
+              </a:defRPr>
+            </a:lvl4pPr>
+            <a:lvl5pPr marL="2057400" indent="-228600" algn="l" rtl="0" eaLnBrk="1" fontAlgn="base" latinLnBrk="1" hangingPunct="1">
+              <a:spcBef>
+                <a:spcPct val="20000"/>
+              </a:spcBef>
+              <a:spcAft>
+                <a:spcPct val="0"/>
+              </a:spcAft>
+              <a:buChar char="»"/>
+              <a:defRPr kumimoji="1" sz="2000">
+                <a:solidFill>
+                  <a:srgbClr val="181E5E"/>
+                </a:solidFill>
+                <a:latin typeface="+mn-lt"/>
+                <a:ea typeface="+mn-ea"/>
+              </a:defRPr>
+            </a:lvl5pPr>
+            <a:lvl6pPr marL="2514600" indent="-228600" algn="l" rtl="0" eaLnBrk="1" fontAlgn="base" latinLnBrk="1" hangingPunct="1">
+              <a:spcBef>
+                <a:spcPct val="20000"/>
+              </a:spcBef>
+              <a:spcAft>
+                <a:spcPct val="0"/>
+              </a:spcAft>
+              <a:buChar char="»"/>
+              <a:defRPr kumimoji="1" sz="2000">
+                <a:solidFill>
+                  <a:srgbClr val="181E5E"/>
+                </a:solidFill>
+                <a:latin typeface="+mn-lt"/>
+                <a:ea typeface="+mn-ea"/>
+              </a:defRPr>
+            </a:lvl6pPr>
+            <a:lvl7pPr marL="2971800" indent="-228600" algn="l" rtl="0" eaLnBrk="1" fontAlgn="base" latinLnBrk="1" hangingPunct="1">
+              <a:spcBef>
+                <a:spcPct val="20000"/>
+              </a:spcBef>
+              <a:spcAft>
+                <a:spcPct val="0"/>
+              </a:spcAft>
+              <a:buChar char="»"/>
+              <a:defRPr kumimoji="1" sz="2000">
+                <a:solidFill>
+                  <a:srgbClr val="181E5E"/>
+                </a:solidFill>
+                <a:latin typeface="+mn-lt"/>
+                <a:ea typeface="+mn-ea"/>
+              </a:defRPr>
+            </a:lvl7pPr>
+            <a:lvl8pPr marL="3429000" indent="-228600" algn="l" rtl="0" eaLnBrk="1" fontAlgn="base" latinLnBrk="1" hangingPunct="1">
+              <a:spcBef>
+                <a:spcPct val="20000"/>
+              </a:spcBef>
+              <a:spcAft>
+                <a:spcPct val="0"/>
+              </a:spcAft>
+              <a:buChar char="»"/>
+              <a:defRPr kumimoji="1" sz="2000">
+                <a:solidFill>
+                  <a:srgbClr val="181E5E"/>
+                </a:solidFill>
+                <a:latin typeface="+mn-lt"/>
+                <a:ea typeface="+mn-ea"/>
+              </a:defRPr>
+            </a:lvl8pPr>
+            <a:lvl9pPr marL="3886200" indent="-228600" algn="l" rtl="0" eaLnBrk="1" fontAlgn="base" latinLnBrk="1" hangingPunct="1">
+              <a:spcBef>
+                <a:spcPct val="20000"/>
+              </a:spcBef>
+              <a:spcAft>
+                <a:spcPct val="0"/>
+              </a:spcAft>
+              <a:buChar char="»"/>
+              <a:defRPr kumimoji="1" sz="2000">
+                <a:solidFill>
+                  <a:srgbClr val="181E5E"/>
+                </a:solidFill>
+                <a:latin typeface="+mn-lt"/>
+                <a:ea typeface="+mn-ea"/>
+              </a:defRPr>
+            </a:lvl9pPr>
+          </a:lstStyle>
+          <a:p>
+            <a:pPr lvl="1"/>
+            <a:r>
+              <a:rPr lang="en-US" altLang="ko-KR" b="1" dirty="0" smtClean="0">
+                <a:solidFill>
+                  <a:srgbClr val="FF0000"/>
+                </a:solidFill>
+              </a:rPr>
+              <a:t>send(</a:t>
+            </a:r>
+            <a:r>
+              <a:rPr lang="ko-KR" altLang="en-US" b="1" dirty="0" smtClean="0">
+                <a:solidFill>
+                  <a:srgbClr val="FF0000"/>
+                </a:solidFill>
+              </a:rPr>
+              <a:t>해결</a:t>
+            </a:r>
+            <a:r>
+              <a:rPr lang="en-US" altLang="ko-KR" b="1" dirty="0" smtClean="0">
+                <a:solidFill>
+                  <a:srgbClr val="FF0000"/>
+                </a:solidFill>
+              </a:rPr>
+              <a:t>)</a:t>
+            </a:r>
+            <a:r>
+              <a:rPr lang="en-US" altLang="ko-KR" dirty="0" smtClean="0"/>
+              <a:t>: queue</a:t>
+            </a:r>
+            <a:r>
+              <a:rPr lang="ko-KR" altLang="en-US" dirty="0" smtClean="0"/>
+              <a:t>에 들어있는 </a:t>
+            </a:r>
+            <a:r>
+              <a:rPr lang="ko-KR" altLang="en-US" dirty="0" err="1" smtClean="0"/>
+              <a:t>패킷을</a:t>
+            </a:r>
+            <a:r>
+              <a:rPr lang="ko-KR" altLang="en-US" dirty="0" smtClean="0"/>
+              <a:t> 확인하고</a:t>
+            </a:r>
+            <a:r>
+              <a:rPr lang="en-US" altLang="ko-KR" dirty="0"/>
+              <a:t> </a:t>
+            </a:r>
+            <a:r>
+              <a:rPr lang="ko-KR" altLang="en-US" dirty="0" smtClean="0"/>
+              <a:t>해당 </a:t>
+            </a:r>
+            <a:r>
+              <a:rPr lang="ko-KR" altLang="en-US" dirty="0" err="1" smtClean="0"/>
+              <a:t>패킷에서</a:t>
+            </a:r>
+            <a:r>
+              <a:rPr lang="ko-KR" altLang="en-US" dirty="0" smtClean="0"/>
+              <a:t> 크기와 </a:t>
+            </a:r>
+            <a:r>
+              <a:rPr lang="en-US" altLang="ko-KR" dirty="0" smtClean="0"/>
+              <a:t>id</a:t>
+            </a:r>
+            <a:r>
+              <a:rPr lang="ko-KR" altLang="en-US" dirty="0" smtClean="0"/>
+              <a:t>를 가져와서 다시 설정하도록 함</a:t>
+            </a:r>
+            <a:r>
+              <a:rPr lang="en-US" altLang="ko-KR" dirty="0" smtClean="0"/>
+              <a:t>.</a:t>
+            </a:r>
+            <a:endParaRPr lang="en-US" altLang="ko-KR" dirty="0"/>
+          </a:p>
+        </p:txBody>
+      </p:sp>
+    </p:spTree>
+    <p:extLst>
+      <p:ext uri="{BB962C8B-B14F-4D97-AF65-F5344CB8AC3E}">
+        <p14:creationId xmlns:p14="http://schemas.microsoft.com/office/powerpoint/2010/main" val="2241884715"/>
+      </p:ext>
+    </p:extLst>
+  </p:cSld>
+  <p:clrMapOvr>
+    <a:masterClrMapping/>
+  </p:clrMapOvr>
+  <mc:AlternateContent xmlns:mc="http://schemas.openxmlformats.org/markup-compatibility/2006" xmlns:p14="http://schemas.microsoft.com/office/powerpoint/2010/main">
+    <mc:Choice Requires="p14">
+      <p:transition p14:dur="10" advClick="0"/>
+    </mc:Choice>
+    <mc:Fallback xmlns="">
+      <p:transition advClick="0"/>
+    </mc:Fallback>
+  </mc:AlternateContent>
+  <p:timing>
+    <p:tnLst>
+      <p:par>
+        <p:cTn id="1" dur="indefinite" restart="never" nodeType="tmRoot">
+          <p:childTnLst>
+            <p:seq concurrent="1" nextAc="seek">
+              <p:cTn id="2" dur="indefinite" nodeType="mainSeq">
+                <p:childTnLst>
+                  <p:par>
+                    <p:cTn id="3" fill="hold">
+                      <p:stCondLst>
+                        <p:cond delay="indefinite"/>
+                      </p:stCondLst>
+                      <p:childTnLst>
+                        <p:par>
+                          <p:cTn id="4" fill="hold">
+                            <p:stCondLst>
+                              <p:cond delay="0"/>
+                            </p:stCondLst>
+                            <p:childTnLst>
+                              <p:par>
+                                <p:cTn id="5" presetID="22" presetClass="entr" presetSubtype="1" fill="hold" grpId="0" nodeType="clickEffect">
+                                  <p:stCondLst>
+                                    <p:cond delay="0"/>
+                                  </p:stCondLst>
+                                  <p:childTnLst>
+                                    <p:set>
+                                      <p:cBhvr>
+                                        <p:cTn id="6" dur="1" fill="hold">
+                                          <p:stCondLst>
+                                            <p:cond delay="0"/>
+                                          </p:stCondLst>
+                                        </p:cTn>
+                                        <p:tgtEl>
+                                          <p:spTgt spid="5"/>
+                                        </p:tgtEl>
+                                        <p:attrNameLst>
+                                          <p:attrName>style.visibility</p:attrName>
+                                        </p:attrNameLst>
+                                      </p:cBhvr>
+                                      <p:to>
+                                        <p:strVal val="visible"/>
+                                      </p:to>
+                                    </p:set>
+                                    <p:animEffect transition="in" filter="wipe(up)">
+                                      <p:cBhvr>
+                                        <p:cTn id="7" dur="500"/>
+                                        <p:tgtEl>
+                                          <p:spTgt spid="5"/>
+                                        </p:tgtEl>
+                                      </p:cBhvr>
+                                    </p:animEffect>
+                                  </p:childTnLst>
+                                </p:cTn>
+                              </p:par>
+                            </p:childTnLst>
+                          </p:cTn>
+                        </p:par>
+                      </p:childTnLst>
+                    </p:cTn>
+                  </p:par>
+                  <p:par>
+                    <p:cTn id="8" fill="hold">
+                      <p:stCondLst>
+                        <p:cond delay="indefinite"/>
+                      </p:stCondLst>
+                      <p:childTnLst>
+                        <p:par>
+                          <p:cTn id="9" fill="hold">
+                            <p:stCondLst>
+                              <p:cond delay="0"/>
+                            </p:stCondLst>
+                            <p:childTnLst>
+                              <p:par>
+                                <p:cTn id="10" presetID="22" presetClass="entr" presetSubtype="1" fill="hold" grpId="0" nodeType="clickEffect">
+                                  <p:stCondLst>
+                                    <p:cond delay="0"/>
+                                  </p:stCondLst>
+                                  <p:childTnLst>
+                                    <p:set>
+                                      <p:cBhvr>
+                                        <p:cTn id="11" dur="1" fill="hold">
+                                          <p:stCondLst>
+                                            <p:cond delay="0"/>
+                                          </p:stCondLst>
+                                        </p:cTn>
+                                        <p:tgtEl>
+                                          <p:spTgt spid="6"/>
+                                        </p:tgtEl>
+                                        <p:attrNameLst>
+                                          <p:attrName>style.visibility</p:attrName>
+                                        </p:attrNameLst>
+                                      </p:cBhvr>
+                                      <p:to>
+                                        <p:strVal val="visible"/>
+                                      </p:to>
+                                    </p:set>
+                                    <p:animEffect transition="in" filter="wipe(up)">
+                                      <p:cBhvr>
+                                        <p:cTn id="12" dur="500"/>
+                                        <p:tgtEl>
+                                          <p:spTgt spid="6"/>
+                                        </p:tgtEl>
+                                      </p:cBhvr>
+                                    </p:animEffect>
+                                  </p:childTnLst>
+                                </p:cTn>
+                              </p:par>
+                            </p:childTnLst>
+                          </p:cTn>
+                        </p:par>
+                      </p:childTnLst>
+                    </p:cTn>
+                  </p:par>
+                </p:childTnLst>
+              </p:cTn>
+              <p:prevCondLst>
+                <p:cond evt="onPrev" delay="0">
+                  <p:tgtEl>
+                    <p:sldTgt/>
+                  </p:tgtEl>
+                </p:cond>
+              </p:prevCondLst>
+              <p:nextCondLst>
+                <p:cond evt="onNext" delay="0">
+                  <p:tgtEl>
+                    <p:sldTgt/>
+                  </p:tgtEl>
+                </p:cond>
+              </p:nextCondLst>
+            </p:seq>
+          </p:childTnLst>
+        </p:cTn>
+      </p:par>
+    </p:tnLst>
+    <p:bldLst>
+      <p:bldP spid="5" grpId="0" animBg="1"/>
+      <p:bldP spid="6" grpId="0" animBg="1"/>
+    </p:bldLst>
+  </p:timing>
+</p:sld>
+</file>
+
+<file path=ppt/slides/slide13.xml><?xml version="1.0" encoding="utf-8"?>
+<p:sld xmlns:a="http://schemas.openxmlformats.org/drawingml/2006/main" xmlns:r="http://schemas.openxmlformats.org/officeDocument/2006/relationships" xmlns:p="http://schemas.openxmlformats.org/presentationml/2006/main">
+  <p:cSld>
+    <p:spTree>
+      <p:nvGrpSpPr>
+        <p:cNvPr id="1" name=""/>
+        <p:cNvGrpSpPr/>
+        <p:nvPr/>
+      </p:nvGrpSpPr>
+      <p:grpSpPr>
+        <a:xfrm>
+          <a:off x="0" y="0"/>
+          <a:ext cx="0" cy="0"/>
+          <a:chOff x="0" y="0"/>
+          <a:chExt cx="0" cy="0"/>
+        </a:xfrm>
+      </p:grpSpPr>
+      <p:sp>
+        <p:nvSpPr>
+          <p:cNvPr id="2" name="제목 1"/>
+          <p:cNvSpPr>
+            <a:spLocks noGrp="1"/>
+          </p:cNvSpPr>
+          <p:nvPr>
+            <p:ph type="title"/>
+          </p:nvPr>
+        </p:nvSpPr>
+        <p:spPr/>
+        <p:txBody>
+          <a:bodyPr/>
+          <a:lstStyle/>
+          <a:p>
+            <a:r>
+              <a:rPr lang="en-US" altLang="ko-KR" dirty="0" smtClean="0"/>
+              <a:t>4. </a:t>
+            </a:r>
+            <a:r>
+              <a:rPr lang="ko-KR" altLang="en-US" dirty="0" smtClean="0"/>
+              <a:t>연구일정</a:t>
             </a:r>
             <a:endParaRPr lang="ko-KR" altLang="en-US" dirty="0"/>
           </a:p>
@@ -9606,7 +11402,7 @@
             <p:ph idx="1"/>
             <p:extLst>
               <p:ext uri="{D42A27DB-BD31-4B8C-83A1-F6EECF244321}">
-                <p14:modId xmlns:p14="http://schemas.microsoft.com/office/powerpoint/2010/main" val="2208774692"/>
+                <p14:modId xmlns:p14="http://schemas.microsoft.com/office/powerpoint/2010/main" val="1965577330"/>
               </p:ext>
             </p:extLst>
           </p:nvPr>
@@ -9893,8 +11689,32 @@
                       <a:tailEnd type="none" w="med" len="med"/>
                     </a:lnB>
                     <a:solidFill>
-                      <a:schemeClr val="bg1">
-                        <a:lumMod val="65000"/>
+                      <a:schemeClr val="accent1"/>
+                    </a:solidFill>
+                  </a:tcPr>
+                </a:tc>
+                <a:tc>
+                  <a:txBody>
+                    <a:bodyPr/>
+                    <a:lstStyle/>
+                    <a:p>
+                      <a:pPr latinLnBrk="1"/>
+                      <a:endParaRPr lang="ko-KR" altLang="en-US" dirty="0"/>
+                    </a:p>
+                  </a:txBody>
+                  <a:tcPr>
+                    <a:lnB w="12700" cap="flat" cmpd="sng" algn="ctr">
+                      <a:solidFill>
+                        <a:schemeClr val="tx1"/>
+                      </a:solidFill>
+                      <a:prstDash val="solid"/>
+                      <a:round/>
+                      <a:headEnd type="none" w="med" len="med"/>
+                      <a:tailEnd type="none" w="med" len="med"/>
+                    </a:lnB>
+                    <a:solidFill>
+                      <a:schemeClr val="accent1">
+                        <a:lumMod val="75000"/>
                       </a:schemeClr>
                     </a:solidFill>
                   </a:tcPr>
@@ -9919,31 +11739,10 @@
                       <a:tailEnd type="none" w="med" len="med"/>
                     </a:lnB>
                     <a:solidFill>
-                      <a:schemeClr val="bg1">
-                        <a:lumMod val="65000"/>
+                      <a:schemeClr val="accent1">
+                        <a:lumMod val="50000"/>
                       </a:schemeClr>
                     </a:solidFill>
-                  </a:tcPr>
-                </a:tc>
-                <a:tc>
-                  <a:txBody>
-                    <a:bodyPr/>
-                    <a:lstStyle/>
-                    <a:p>
-                      <a:pPr latinLnBrk="1"/>
-                      <a:endParaRPr lang="ko-KR" altLang="en-US" dirty="0"/>
-                    </a:p>
-                  </a:txBody>
-                  <a:tcPr>
-                    <a:lnB w="12700" cap="flat" cmpd="sng" algn="ctr">
-                      <a:solidFill>
-                        <a:schemeClr val="tx1"/>
-                      </a:solidFill>
-                      <a:prstDash val="solid"/>
-                      <a:round/>
-                      <a:headEnd type="none" w="med" len="med"/>
-                      <a:tailEnd type="none" w="med" len="med"/>
-                    </a:lnB>
                   </a:tcPr>
                 </a:tc>
                 <a:tc>
@@ -10168,8 +11967,41 @@
                       <a:tailEnd type="none" w="med" len="med"/>
                     </a:lnB>
                     <a:solidFill>
-                      <a:schemeClr val="bg1">
-                        <a:lumMod val="65000"/>
+                      <a:schemeClr val="accent1"/>
+                    </a:solidFill>
+                  </a:tcPr>
+                </a:tc>
+                <a:tc>
+                  <a:txBody>
+                    <a:bodyPr/>
+                    <a:lstStyle/>
+                    <a:p>
+                      <a:pPr latinLnBrk="1"/>
+                      <a:endParaRPr lang="ko-KR" altLang="en-US" dirty="0"/>
+                    </a:p>
+                  </a:txBody>
+                  <a:tcPr>
+                    <a:lnT w="12700" cap="flat" cmpd="sng" algn="ctr">
+                      <a:solidFill>
+                        <a:schemeClr val="tx1"/>
+                      </a:solidFill>
+                      <a:prstDash val="solid"/>
+                      <a:round/>
+                      <a:headEnd type="none" w="med" len="med"/>
+                      <a:tailEnd type="none" w="med" len="med"/>
+                    </a:lnT>
+                    <a:lnB w="12700" cap="flat" cmpd="sng" algn="ctr">
+                      <a:solidFill>
+                        <a:schemeClr val="tx1"/>
+                      </a:solidFill>
+                      <a:prstDash val="solid"/>
+                      <a:round/>
+                      <a:headEnd type="none" w="med" len="med"/>
+                      <a:tailEnd type="none" w="med" len="med"/>
+                    </a:lnB>
+                    <a:solidFill>
+                      <a:schemeClr val="accent1">
+                        <a:lumMod val="75000"/>
                       </a:schemeClr>
                     </a:solidFill>
                   </a:tcPr>
@@ -10203,8 +12035,8 @@
                       <a:tailEnd type="none" w="med" len="med"/>
                     </a:lnB>
                     <a:solidFill>
-                      <a:schemeClr val="bg1">
-                        <a:lumMod val="65000"/>
+                      <a:schemeClr val="accent1">
+                        <a:lumMod val="50000"/>
                       </a:schemeClr>
                     </a:solidFill>
                   </a:tcPr>
@@ -10238,8 +12070,8 @@
                       <a:tailEnd type="none" w="med" len="med"/>
                     </a:lnB>
                     <a:solidFill>
-                      <a:schemeClr val="bg1">
-                        <a:lumMod val="65000"/>
+                      <a:schemeClr val="accent1">
+                        <a:lumMod val="25000"/>
                       </a:schemeClr>
                     </a:solidFill>
                   </a:tcPr>
@@ -10273,40 +12105,10 @@
                       <a:tailEnd type="none" w="med" len="med"/>
                     </a:lnB>
                     <a:solidFill>
-                      <a:schemeClr val="bg1">
-                        <a:lumMod val="65000"/>
+                      <a:schemeClr val="accent1">
+                        <a:lumMod val="10000"/>
                       </a:schemeClr>
                     </a:solidFill>
-                  </a:tcPr>
-                </a:tc>
-                <a:tc>
-                  <a:txBody>
-                    <a:bodyPr/>
-                    <a:lstStyle/>
-                    <a:p>
-                      <a:pPr latinLnBrk="1"/>
-                      <a:endParaRPr lang="ko-KR" altLang="en-US" dirty="0"/>
-                    </a:p>
-                  </a:txBody>
-                  <a:tcPr>
-                    <a:lnT w="12700" cap="flat" cmpd="sng" algn="ctr">
-                      <a:solidFill>
-                        <a:schemeClr val="tx1"/>
-                      </a:solidFill>
-                      <a:prstDash val="solid"/>
-                      <a:round/>
-                      <a:headEnd type="none" w="med" len="med"/>
-                      <a:tailEnd type="none" w="med" len="med"/>
-                    </a:lnT>
-                    <a:lnB w="12700" cap="flat" cmpd="sng" algn="ctr">
-                      <a:solidFill>
-                        <a:schemeClr val="tx1"/>
-                      </a:solidFill>
-                      <a:prstDash val="solid"/>
-                      <a:round/>
-                      <a:headEnd type="none" w="med" len="med"/>
-                      <a:tailEnd type="none" w="med" len="med"/>
-                    </a:lnB>
                   </a:tcPr>
                 </a:tc>
                 <a:tc>
@@ -10520,8 +12322,41 @@
                       <a:tailEnd type="none" w="med" len="med"/>
                     </a:lnB>
                     <a:solidFill>
-                      <a:schemeClr val="bg1">
-                        <a:lumMod val="65000"/>
+                      <a:schemeClr val="accent1"/>
+                    </a:solidFill>
+                  </a:tcPr>
+                </a:tc>
+                <a:tc>
+                  <a:txBody>
+                    <a:bodyPr/>
+                    <a:lstStyle/>
+                    <a:p>
+                      <a:pPr latinLnBrk="1"/>
+                      <a:endParaRPr lang="ko-KR" altLang="en-US" dirty="0"/>
+                    </a:p>
+                  </a:txBody>
+                  <a:tcPr>
+                    <a:lnT w="12700" cap="flat" cmpd="sng" algn="ctr">
+                      <a:solidFill>
+                        <a:schemeClr val="tx1"/>
+                      </a:solidFill>
+                      <a:prstDash val="solid"/>
+                      <a:round/>
+                      <a:headEnd type="none" w="med" len="med"/>
+                      <a:tailEnd type="none" w="med" len="med"/>
+                    </a:lnT>
+                    <a:lnB w="12700" cap="flat" cmpd="sng" algn="ctr">
+                      <a:solidFill>
+                        <a:schemeClr val="tx1"/>
+                      </a:solidFill>
+                      <a:prstDash val="solid"/>
+                      <a:round/>
+                      <a:headEnd type="none" w="med" len="med"/>
+                      <a:tailEnd type="none" w="med" len="med"/>
+                    </a:lnB>
+                    <a:solidFill>
+                      <a:schemeClr val="accent1">
+                        <a:lumMod val="75000"/>
                       </a:schemeClr>
                     </a:solidFill>
                   </a:tcPr>
@@ -10555,8 +12390,8 @@
                       <a:tailEnd type="none" w="med" len="med"/>
                     </a:lnB>
                     <a:solidFill>
-                      <a:schemeClr val="bg1">
-                        <a:lumMod val="65000"/>
+                      <a:schemeClr val="accent1">
+                        <a:lumMod val="75000"/>
                       </a:schemeClr>
                     </a:solidFill>
                   </a:tcPr>
@@ -10590,8 +12425,8 @@
                       <a:tailEnd type="none" w="med" len="med"/>
                     </a:lnB>
                     <a:solidFill>
-                      <a:schemeClr val="bg1">
-                        <a:lumMod val="65000"/>
+                      <a:schemeClr val="accent1">
+                        <a:lumMod val="50000"/>
                       </a:schemeClr>
                     </a:solidFill>
                   </a:tcPr>
@@ -10625,43 +12460,8 @@
                       <a:tailEnd type="none" w="med" len="med"/>
                     </a:lnB>
                     <a:solidFill>
-                      <a:schemeClr val="bg1">
-                        <a:lumMod val="65000"/>
-                      </a:schemeClr>
-                    </a:solidFill>
-                  </a:tcPr>
-                </a:tc>
-                <a:tc>
-                  <a:txBody>
-                    <a:bodyPr/>
-                    <a:lstStyle/>
-                    <a:p>
-                      <a:pPr latinLnBrk="1"/>
-                      <a:endParaRPr lang="ko-KR" altLang="en-US" dirty="0"/>
-                    </a:p>
-                  </a:txBody>
-                  <a:tcPr>
-                    <a:lnT w="12700" cap="flat" cmpd="sng" algn="ctr">
-                      <a:solidFill>
-                        <a:schemeClr val="tx1"/>
-                      </a:solidFill>
-                      <a:prstDash val="solid"/>
-                      <a:round/>
-                      <a:headEnd type="none" w="med" len="med"/>
-                      <a:tailEnd type="none" w="med" len="med"/>
-                    </a:lnT>
-                    <a:lnB w="12700" cap="flat" cmpd="sng" algn="ctr">
-                      <a:solidFill>
-                        <a:schemeClr val="tx1"/>
-                      </a:solidFill>
-                      <a:prstDash val="solid"/>
-                      <a:round/>
-                      <a:headEnd type="none" w="med" len="med"/>
-                      <a:tailEnd type="none" w="med" len="med"/>
-                    </a:lnB>
-                    <a:solidFill>
-                      <a:schemeClr val="bg1">
-                        <a:lumMod val="65000"/>
+                      <a:schemeClr val="accent1">
+                        <a:lumMod val="25000"/>
                       </a:schemeClr>
                     </a:solidFill>
                   </a:tcPr>
@@ -10843,8 +12643,8 @@
                       <a:tailEnd type="none" w="med" len="med"/>
                     </a:lnB>
                     <a:solidFill>
-                      <a:schemeClr val="bg1">
-                        <a:lumMod val="65000"/>
+                      <a:schemeClr val="accent1">
+                        <a:lumMod val="75000"/>
                       </a:schemeClr>
                     </a:solidFill>
                   </a:tcPr>
@@ -10878,8 +12678,8 @@
                       <a:tailEnd type="none" w="med" len="med"/>
                     </a:lnB>
                     <a:solidFill>
-                      <a:schemeClr val="bg1">
-                        <a:lumMod val="65000"/>
+                      <a:schemeClr val="accent1">
+                        <a:lumMod val="75000"/>
                       </a:schemeClr>
                     </a:solidFill>
                   </a:tcPr>
@@ -10913,8 +12713,8 @@
                       <a:tailEnd type="none" w="med" len="med"/>
                     </a:lnB>
                     <a:solidFill>
-                      <a:schemeClr val="bg1">
-                        <a:lumMod val="65000"/>
+                      <a:schemeClr val="accent1">
+                        <a:lumMod val="75000"/>
                       </a:schemeClr>
                     </a:solidFill>
                   </a:tcPr>
@@ -10948,8 +12748,8 @@
                       <a:tailEnd type="none" w="med" len="med"/>
                     </a:lnB>
                     <a:solidFill>
-                      <a:schemeClr val="bg1">
-                        <a:lumMod val="65000"/>
+                      <a:schemeClr val="accent1">
+                        <a:lumMod val="50000"/>
                       </a:schemeClr>
                     </a:solidFill>
                   </a:tcPr>
@@ -10983,8 +12783,8 @@
                       <a:tailEnd type="none" w="med" len="med"/>
                     </a:lnB>
                     <a:solidFill>
-                      <a:schemeClr val="bg1">
-                        <a:lumMod val="65000"/>
+                      <a:schemeClr val="accent1">
+                        <a:lumMod val="25000"/>
                       </a:schemeClr>
                     </a:solidFill>
                   </a:tcPr>
@@ -11018,8 +12818,8 @@
                       <a:tailEnd type="none" w="med" len="med"/>
                     </a:lnB>
                     <a:solidFill>
-                      <a:schemeClr val="bg1">
-                        <a:lumMod val="65000"/>
+                      <a:schemeClr val="accent1">
+                        <a:lumMod val="10000"/>
                       </a:schemeClr>
                     </a:solidFill>
                   </a:tcPr>
@@ -11141,8 +12941,74 @@
                       <a:tailEnd type="none" w="med" len="med"/>
                     </a:lnB>
                     <a:solidFill>
-                      <a:schemeClr val="bg1">
-                        <a:lumMod val="65000"/>
+                      <a:schemeClr val="accent1"/>
+                    </a:solidFill>
+                  </a:tcPr>
+                </a:tc>
+                <a:tc>
+                  <a:txBody>
+                    <a:bodyPr/>
+                    <a:lstStyle/>
+                    <a:p>
+                      <a:pPr latinLnBrk="1"/>
+                      <a:endParaRPr lang="ko-KR" altLang="en-US" dirty="0"/>
+                    </a:p>
+                  </a:txBody>
+                  <a:tcPr>
+                    <a:lnT w="12700" cap="flat" cmpd="sng" algn="ctr">
+                      <a:solidFill>
+                        <a:schemeClr val="tx1"/>
+                      </a:solidFill>
+                      <a:prstDash val="solid"/>
+                      <a:round/>
+                      <a:headEnd type="none" w="med" len="med"/>
+                      <a:tailEnd type="none" w="med" len="med"/>
+                    </a:lnT>
+                    <a:lnB w="12700" cap="flat" cmpd="sng" algn="ctr">
+                      <a:solidFill>
+                        <a:schemeClr val="tx1"/>
+                      </a:solidFill>
+                      <a:prstDash val="solid"/>
+                      <a:round/>
+                      <a:headEnd type="none" w="med" len="med"/>
+                      <a:tailEnd type="none" w="med" len="med"/>
+                    </a:lnB>
+                    <a:solidFill>
+                      <a:schemeClr val="accent1"/>
+                    </a:solidFill>
+                  </a:tcPr>
+                </a:tc>
+                <a:tc>
+                  <a:txBody>
+                    <a:bodyPr/>
+                    <a:lstStyle/>
+                    <a:p>
+                      <a:pPr latinLnBrk="1"/>
+                      <a:endParaRPr lang="ko-KR" altLang="en-US" dirty="0"/>
+                    </a:p>
+                  </a:txBody>
+                  <a:tcPr>
+                    <a:lnT w="12700" cap="flat" cmpd="sng" algn="ctr">
+                      <a:solidFill>
+                        <a:schemeClr val="tx1"/>
+                      </a:solidFill>
+                      <a:prstDash val="solid"/>
+                      <a:round/>
+                      <a:headEnd type="none" w="med" len="med"/>
+                      <a:tailEnd type="none" w="med" len="med"/>
+                    </a:lnT>
+                    <a:lnB w="12700" cap="flat" cmpd="sng" algn="ctr">
+                      <a:solidFill>
+                        <a:schemeClr val="tx1"/>
+                      </a:solidFill>
+                      <a:prstDash val="solid"/>
+                      <a:round/>
+                      <a:headEnd type="none" w="med" len="med"/>
+                      <a:tailEnd type="none" w="med" len="med"/>
+                    </a:lnB>
+                    <a:solidFill>
+                      <a:schemeClr val="accent1">
+                        <a:lumMod val="75000"/>
                       </a:schemeClr>
                     </a:solidFill>
                   </a:tcPr>
@@ -11176,8 +13042,8 @@
                       <a:tailEnd type="none" w="med" len="med"/>
                     </a:lnB>
                     <a:solidFill>
-                      <a:schemeClr val="bg1">
-                        <a:lumMod val="65000"/>
+                      <a:schemeClr val="accent1">
+                        <a:lumMod val="75000"/>
                       </a:schemeClr>
                     </a:solidFill>
                   </a:tcPr>
@@ -11211,70 +13077,10 @@
                       <a:tailEnd type="none" w="med" len="med"/>
                     </a:lnB>
                     <a:solidFill>
-                      <a:schemeClr val="bg1">
-                        <a:lumMod val="65000"/>
+                      <a:schemeClr val="accent1">
+                        <a:lumMod val="50000"/>
                       </a:schemeClr>
                     </a:solidFill>
-                  </a:tcPr>
-                </a:tc>
-                <a:tc>
-                  <a:txBody>
-                    <a:bodyPr/>
-                    <a:lstStyle/>
-                    <a:p>
-                      <a:pPr latinLnBrk="1"/>
-                      <a:endParaRPr lang="ko-KR" altLang="en-US" dirty="0"/>
-                    </a:p>
-                  </a:txBody>
-                  <a:tcPr>
-                    <a:lnT w="12700" cap="flat" cmpd="sng" algn="ctr">
-                      <a:solidFill>
-                        <a:schemeClr val="tx1"/>
-                      </a:solidFill>
-                      <a:prstDash val="solid"/>
-                      <a:round/>
-                      <a:headEnd type="none" w="med" len="med"/>
-                      <a:tailEnd type="none" w="med" len="med"/>
-                    </a:lnT>
-                    <a:lnB w="12700" cap="flat" cmpd="sng" algn="ctr">
-                      <a:solidFill>
-                        <a:schemeClr val="tx1"/>
-                      </a:solidFill>
-                      <a:prstDash val="solid"/>
-                      <a:round/>
-                      <a:headEnd type="none" w="med" len="med"/>
-                      <a:tailEnd type="none" w="med" len="med"/>
-                    </a:lnB>
-                  </a:tcPr>
-                </a:tc>
-                <a:tc>
-                  <a:txBody>
-                    <a:bodyPr/>
-                    <a:lstStyle/>
-                    <a:p>
-                      <a:pPr latinLnBrk="1"/>
-                      <a:endParaRPr lang="ko-KR" altLang="en-US" dirty="0"/>
-                    </a:p>
-                  </a:txBody>
-                  <a:tcPr>
-                    <a:lnT w="12700" cap="flat" cmpd="sng" algn="ctr">
-                      <a:solidFill>
-                        <a:schemeClr val="tx1"/>
-                      </a:solidFill>
-                      <a:prstDash val="solid"/>
-                      <a:round/>
-                      <a:headEnd type="none" w="med" len="med"/>
-                      <a:tailEnd type="none" w="med" len="med"/>
-                    </a:lnT>
-                    <a:lnB w="12700" cap="flat" cmpd="sng" algn="ctr">
-                      <a:solidFill>
-                        <a:schemeClr val="tx1"/>
-                      </a:solidFill>
-                      <a:prstDash val="solid"/>
-                      <a:round/>
-                      <a:headEnd type="none" w="med" len="med"/>
-                      <a:tailEnd type="none" w="med" len="med"/>
-                    </a:lnB>
                   </a:tcPr>
                 </a:tc>
                 <a:tc>
@@ -11605,7 +13411,7 @@
 </p:sld>
 </file>
 
-<file path=ppt/slides/slide11.xml><?xml version="1.0" encoding="utf-8"?>
+<file path=ppt/slides/slide14.xml><?xml version="1.0" encoding="utf-8"?>
 <p:sld xmlns:a="http://schemas.openxmlformats.org/drawingml/2006/main" xmlns:r="http://schemas.openxmlformats.org/officeDocument/2006/relationships" xmlns:p="http://schemas.openxmlformats.org/presentationml/2006/main">
   <p:cSld>
     <p:spTree>
@@ -11688,12 +13494,6 @@
           <a:bodyPr/>
           <a:lstStyle/>
           <a:p>
-            <a:r>
-              <a:rPr lang="en-US" altLang="ko-KR" dirty="0">
-                <a:hlinkClick r:id="rId2" action="ppaction://hlinksldjump"/>
-              </a:rPr>
-              <a:t>.</a:t>
-            </a:r>
             <a:endParaRPr lang="ko-KR" altLang="en-US" dirty="0"/>
           </a:p>
         </p:txBody>
@@ -11713,323 +13513,6 @@
       <p:transition p14:dur="10" advClick="0"/>
     </mc:Choice>
     <mc:Fallback xmlns="">
-      <p:transition advClick="0"/>
-    </mc:Fallback>
-  </mc:AlternateContent>
-  <p:timing>
-    <p:tnLst>
-      <p:par>
-        <p:cTn id="1" dur="indefinite" restart="never" nodeType="tmRoot"/>
-      </p:par>
-    </p:tnLst>
-  </p:timing>
-</p:sld>
-</file>
-
-<file path=ppt/slides/slide12.xml><?xml version="1.0" encoding="utf-8"?>
-<p:sld xmlns:a="http://schemas.openxmlformats.org/drawingml/2006/main" xmlns:r="http://schemas.openxmlformats.org/officeDocument/2006/relationships" xmlns:p="http://schemas.openxmlformats.org/presentationml/2006/main">
-  <p:cSld>
-    <p:spTree>
-      <p:nvGrpSpPr>
-        <p:cNvPr id="1" name=""/>
-        <p:cNvGrpSpPr/>
-        <p:nvPr/>
-      </p:nvGrpSpPr>
-      <p:grpSpPr>
-        <a:xfrm>
-          <a:off x="0" y="0"/>
-          <a:ext cx="0" cy="0"/>
-          <a:chOff x="0" y="0"/>
-          <a:chExt cx="0" cy="0"/>
-        </a:xfrm>
-      </p:grpSpPr>
-      <p:sp>
-        <p:nvSpPr>
-          <p:cNvPr id="2" name="제목 1"/>
-          <p:cNvSpPr>
-            <a:spLocks noGrp="1"/>
-          </p:cNvSpPr>
-          <p:nvPr>
-            <p:ph type="title"/>
-          </p:nvPr>
-        </p:nvSpPr>
-        <p:spPr/>
-        <p:txBody>
-          <a:bodyPr/>
-          <a:lstStyle/>
-          <a:p>
-            <a:r>
-              <a:rPr lang="ko-KR" altLang="en-US" dirty="0" smtClean="0"/>
-              <a:t>참고자료</a:t>
-            </a:r>
-            <a:endParaRPr lang="ko-KR" altLang="en-US" dirty="0"/>
-          </a:p>
-        </p:txBody>
-      </p:sp>
-      <p:sp>
-        <p:nvSpPr>
-          <p:cNvPr id="3" name="내용 개체 틀 2"/>
-          <p:cNvSpPr>
-            <a:spLocks noGrp="1"/>
-          </p:cNvSpPr>
-          <p:nvPr>
-            <p:ph idx="1"/>
-          </p:nvPr>
-        </p:nvSpPr>
-        <p:spPr/>
-        <p:txBody>
-          <a:bodyPr/>
-          <a:lstStyle/>
-          <a:p>
-            <a:r>
-              <a:rPr lang="en-US" altLang="ko-KR" dirty="0">
-                <a:hlinkClick r:id="rId2"/>
-              </a:rPr>
-              <a:t>http://</a:t>
-            </a:r>
-            <a:r>
-              <a:rPr lang="en-US" altLang="ko-KR" dirty="0" smtClean="0">
-                <a:hlinkClick r:id="rId2"/>
-              </a:rPr>
-              <a:t>www.slideshare.net/mobile/sm9kr/iocp-vs-epoll-perfor</a:t>
-            </a:r>
-            <a:endParaRPr lang="en-US" altLang="ko-KR" dirty="0" smtClean="0"/>
-          </a:p>
-          <a:p>
-            <a:r>
-              <a:rPr lang="en-US" altLang="ko-KR" dirty="0" smtClean="0">
-                <a:hlinkClick r:id="rId3"/>
-              </a:rPr>
-              <a:t>https</a:t>
-            </a:r>
-            <a:r>
-              <a:rPr lang="en-US" altLang="ko-KR" dirty="0">
-                <a:hlinkClick r:id="rId3"/>
-              </a:rPr>
-              <a:t>://</a:t>
-            </a:r>
-            <a:r>
-              <a:rPr lang="en-US" altLang="ko-KR" dirty="0" smtClean="0">
-                <a:hlinkClick r:id="rId3"/>
-              </a:rPr>
-              <a:t>en.wikipedia.org/wiki/Usage_share_of_operating_systems</a:t>
-            </a:r>
-            <a:endParaRPr lang="en-US" altLang="ko-KR" dirty="0" smtClean="0"/>
-          </a:p>
-          <a:p>
-            <a:r>
-              <a:rPr lang="en-US" altLang="ko-KR" dirty="0">
-                <a:hlinkClick r:id="rId4"/>
-              </a:rPr>
-              <a:t>http://www.webcitation.org/6ICibHuyd</a:t>
-            </a:r>
-            <a:endParaRPr lang="en-US" altLang="ko-KR" dirty="0"/>
-          </a:p>
-          <a:p>
-            <a:r>
-              <a:rPr lang="en-US" altLang="ko-KR" dirty="0">
-                <a:hlinkClick r:id="rId5"/>
-              </a:rPr>
-              <a:t>http://</a:t>
-            </a:r>
-            <a:r>
-              <a:rPr lang="en-US" altLang="ko-KR" dirty="0" smtClean="0">
-                <a:hlinkClick r:id="rId5"/>
-              </a:rPr>
-              <a:t>www.boost.org/doc/libs/1_59_0/doc/html/boost_asio.html</a:t>
-            </a:r>
-            <a:endParaRPr lang="en-US" altLang="ko-KR" dirty="0" smtClean="0"/>
-          </a:p>
-          <a:p>
-            <a:endParaRPr lang="en-US" altLang="ko-KR" dirty="0"/>
-          </a:p>
-        </p:txBody>
-      </p:sp>
-    </p:spTree>
-    <p:extLst>
-      <p:ext uri="{BB962C8B-B14F-4D97-AF65-F5344CB8AC3E}">
-        <p14:creationId xmlns:p14="http://schemas.microsoft.com/office/powerpoint/2010/main" val="3029932021"/>
-      </p:ext>
-    </p:extLst>
-  </p:cSld>
-  <p:clrMapOvr>
-    <a:masterClrMapping/>
-  </p:clrMapOvr>
-  <mc:AlternateContent xmlns:mc="http://schemas.openxmlformats.org/markup-compatibility/2006" xmlns:p14="http://schemas.microsoft.com/office/powerpoint/2010/main">
-    <mc:Choice Requires="p14">
-      <p:transition p14:dur="10" advClick="0"/>
-    </mc:Choice>
-    <mc:Fallback xmlns="">
-      <p:transition advClick="0"/>
-    </mc:Fallback>
-  </mc:AlternateContent>
-  <p:timing>
-    <p:tnLst>
-      <p:par>
-        <p:cTn id="1" dur="indefinite" restart="never" nodeType="tmRoot"/>
-      </p:par>
-    </p:tnLst>
-  </p:timing>
-</p:sld>
-</file>
-
-<file path=ppt/slides/slide13.xml><?xml version="1.0" encoding="utf-8"?>
-<p:sld xmlns:a="http://schemas.openxmlformats.org/drawingml/2006/main" xmlns:r="http://schemas.openxmlformats.org/officeDocument/2006/relationships" xmlns:p="http://schemas.openxmlformats.org/presentationml/2006/main" show="0">
-  <p:cSld>
-    <p:spTree>
-      <p:nvGrpSpPr>
-        <p:cNvPr id="1" name=""/>
-        <p:cNvGrpSpPr/>
-        <p:nvPr/>
-      </p:nvGrpSpPr>
-      <p:grpSpPr>
-        <a:xfrm>
-          <a:off x="0" y="0"/>
-          <a:ext cx="0" cy="0"/>
-          <a:chOff x="0" y="0"/>
-          <a:chExt cx="0" cy="0"/>
-        </a:xfrm>
-      </p:grpSpPr>
-      <p:sp>
-        <p:nvSpPr>
-          <p:cNvPr id="2" name="제목 1"/>
-          <p:cNvSpPr>
-            <a:spLocks noGrp="1"/>
-          </p:cNvSpPr>
-          <p:nvPr>
-            <p:ph type="title"/>
-          </p:nvPr>
-        </p:nvSpPr>
-        <p:spPr/>
-        <p:txBody>
-          <a:bodyPr/>
-          <a:lstStyle/>
-          <a:p>
-            <a:r>
-              <a:rPr lang="ko-KR" altLang="en-US" dirty="0" smtClean="0"/>
-              <a:t>관련 연구</a:t>
-            </a:r>
-            <a:endParaRPr lang="ko-KR" altLang="en-US" dirty="0"/>
-          </a:p>
-        </p:txBody>
-      </p:sp>
-      <p:sp>
-        <p:nvSpPr>
-          <p:cNvPr id="3" name="내용 개체 틀 2"/>
-          <p:cNvSpPr>
-            <a:spLocks noGrp="1"/>
-          </p:cNvSpPr>
-          <p:nvPr>
-            <p:ph idx="1"/>
-          </p:nvPr>
-        </p:nvSpPr>
-        <p:spPr/>
-        <p:txBody>
-          <a:bodyPr/>
-          <a:lstStyle/>
-          <a:p>
-            <a:r>
-              <a:rPr lang="ko-KR" altLang="en-US" dirty="0"/>
-              <a:t>운영체제에 따른 기본적인 서버 성능 비교 자료들이 있음</a:t>
-            </a:r>
-          </a:p>
-          <a:p>
-            <a:pPr lvl="1"/>
-            <a:r>
-              <a:rPr lang="ko-KR" altLang="en-US" dirty="0" smtClean="0"/>
-              <a:t>하지만 </a:t>
-            </a:r>
-            <a:r>
-              <a:rPr lang="ko-KR" altLang="en-US" dirty="0"/>
-              <a:t>운영체제마다 다른 소켓 모델을 사용</a:t>
-            </a:r>
-          </a:p>
-          <a:p>
-            <a:pPr lvl="1"/>
-            <a:r>
-              <a:rPr lang="ko-KR" altLang="en-US" dirty="0" smtClean="0"/>
-              <a:t>랜덤 </a:t>
-            </a:r>
-            <a:r>
-              <a:rPr lang="ko-KR" altLang="en-US" dirty="0" err="1"/>
-              <a:t>패킷</a:t>
-            </a:r>
-            <a:r>
-              <a:rPr lang="ko-KR" altLang="en-US" dirty="0"/>
-              <a:t> 전송으로 테스트</a:t>
-            </a:r>
-          </a:p>
-          <a:p>
-            <a:pPr lvl="1"/>
-            <a:r>
-              <a:rPr lang="ko-KR" altLang="en-US" dirty="0" smtClean="0"/>
-              <a:t>게임 </a:t>
-            </a:r>
-            <a:r>
-              <a:rPr lang="ko-KR" altLang="en-US" dirty="0"/>
-              <a:t>서버와 관계 된 자료가 없음</a:t>
-            </a:r>
-          </a:p>
-        </p:txBody>
-      </p:sp>
-      <p:pic>
-        <p:nvPicPr>
-          <p:cNvPr id="1026" name="Picture 2" descr="IOCP vs EPOLLPerformance ComparisonSeungmo Koo@sm9krkr.linkedin.com/in/sm9kr ">
-            <a:hlinkClick r:id="rId2"/>
-          </p:cNvPr>
-          <p:cNvPicPr>
-            <a:picLocks noChangeAspect="1" noChangeArrowheads="1"/>
-          </p:cNvPicPr>
-          <p:nvPr/>
-        </p:nvPicPr>
-        <p:blipFill>
-          <a:blip r:embed="rId3">
-            <a:extLst>
-              <a:ext uri="{28A0092B-C50C-407E-A947-70E740481C1C}">
-                <a14:useLocalDpi xmlns:a14="http://schemas.microsoft.com/office/drawing/2010/main" val="0"/>
-              </a:ext>
-            </a:extLst>
-          </a:blip>
-          <a:srcRect/>
-          <a:stretch>
-            <a:fillRect/>
-          </a:stretch>
-        </p:blipFill>
-        <p:spPr bwMode="auto">
-          <a:xfrm>
-            <a:off x="1331640" y="3933056"/>
-            <a:ext cx="3356865" cy="2520280"/>
-          </a:xfrm>
-          <a:prstGeom prst="rect">
-            <a:avLst/>
-          </a:prstGeom>
-          <a:noFill/>
-          <a:extLst>
-            <a:ext uri="{909E8E84-426E-40DD-AFC4-6F175D3DCCD1}">
-              <a14:hiddenFill xmlns:a14="http://schemas.microsoft.com/office/drawing/2010/main">
-                <a:solidFill>
-                  <a:srgbClr val="FFFFFF"/>
-                </a:solidFill>
-              </a14:hiddenFill>
-            </a:ext>
-          </a:extLst>
-        </p:spPr>
-      </p:pic>
-    </p:spTree>
-    <p:extLst>
-      <p:ext uri="{BB962C8B-B14F-4D97-AF65-F5344CB8AC3E}">
-        <p14:creationId xmlns:p14="http://schemas.microsoft.com/office/powerpoint/2010/main" val="1956237905"/>
-      </p:ext>
-    </p:extLst>
-  </p:cSld>
-  <p:clrMapOvr>
-    <a:masterClrMapping/>
-  </p:clrMapOvr>
-  <mc:AlternateContent xmlns:mc="http://schemas.openxmlformats.org/markup-compatibility/2006">
-    <mc:Choice xmlns:p14="http://schemas.microsoft.com/office/powerpoint/2010/main" Requires="p14">
-      <p:transition p14:dur="10" advClick="0"/>
-    </mc:Choice>
-    <mc:Fallback>
       <p:transition advClick="0"/>
     </mc:Fallback>
   </mc:AlternateContent>
@@ -12114,9 +13597,10 @@
               <a:buAutoNum type="arabicPeriod"/>
             </a:pPr>
             <a:r>
-              <a:rPr lang="en-US" altLang="ko-KR" dirty="0" smtClean="0"/>
-              <a:t>Socket Multiplexing</a:t>
-            </a:r>
+              <a:rPr lang="ko-KR" altLang="en-US" dirty="0" smtClean="0"/>
+              <a:t>연구방법</a:t>
+            </a:r>
+            <a:endParaRPr lang="en-US" altLang="ko-KR" dirty="0"/>
           </a:p>
           <a:p>
             <a:pPr marL="514350" indent="-514350">
@@ -12125,7 +13609,7 @@
             </a:pPr>
             <a:r>
               <a:rPr lang="ko-KR" altLang="en-US" dirty="0" smtClean="0"/>
-              <a:t>연구방법</a:t>
+              <a:t>연구진행</a:t>
             </a:r>
             <a:endParaRPr lang="en-US" altLang="ko-KR" dirty="0" smtClean="0"/>
           </a:p>
@@ -12136,23 +13620,9 @@
             </a:pPr>
             <a:r>
               <a:rPr lang="ko-KR" altLang="en-US" dirty="0" smtClean="0"/>
-              <a:t>개발환경</a:t>
-            </a:r>
-            <a:endParaRPr lang="en-US" altLang="ko-KR" dirty="0" smtClean="0"/>
-          </a:p>
-          <a:p>
-            <a:pPr marL="514350" indent="-514350">
-              <a:buFont typeface="+mj-lt"/>
-              <a:buAutoNum type="arabicPeriod"/>
-            </a:pPr>
-            <a:r>
-              <a:rPr lang="ko-KR" altLang="en-US" dirty="0" smtClean="0"/>
-              <a:t>연구일</a:t>
-            </a:r>
-            <a:r>
-              <a:rPr lang="ko-KR" altLang="en-US" dirty="0"/>
-              <a:t>정</a:t>
-            </a:r>
+              <a:t>연구일정</a:t>
+            </a:r>
+            <a:endParaRPr lang="ko-KR" altLang="en-US" dirty="0"/>
           </a:p>
         </p:txBody>
       </p:sp>
@@ -12245,125 +13715,49 @@
           <a:p>
             <a:r>
               <a:rPr lang="ko-KR" altLang="en-US" dirty="0" smtClean="0"/>
-              <a:t>다양한 서버 운영체제</a:t>
-            </a:r>
-            <a:endParaRPr lang="en-US" altLang="ko-KR" dirty="0" smtClean="0"/>
-          </a:p>
-          <a:p>
-            <a:pPr lvl="1"/>
-            <a:r>
-              <a:rPr lang="en-US" altLang="ko-KR" dirty="0" smtClean="0"/>
-              <a:t> MS Windows VS. Linux</a:t>
-            </a:r>
-            <a:br>
-              <a:rPr lang="en-US" altLang="ko-KR" dirty="0" smtClean="0"/>
-            </a:br>
-            <a:r>
-              <a:rPr lang="en-US" altLang="ko-KR" dirty="0" smtClean="0"/>
-              <a:t/>
-            </a:r>
-            <a:br>
-              <a:rPr lang="en-US" altLang="ko-KR" dirty="0" smtClean="0"/>
-            </a:br>
-            <a:r>
-              <a:rPr lang="en-US" altLang="ko-KR" dirty="0" smtClean="0"/>
-              <a:t/>
-            </a:r>
-            <a:br>
-              <a:rPr lang="en-US" altLang="ko-KR" dirty="0" smtClean="0"/>
-            </a:br>
-            <a:r>
-              <a:rPr lang="en-US" altLang="ko-KR" dirty="0" smtClean="0"/>
-              <a:t/>
-            </a:r>
-            <a:br>
-              <a:rPr lang="en-US" altLang="ko-KR" dirty="0" smtClean="0"/>
-            </a:br>
-            <a:r>
-              <a:rPr lang="en-US" altLang="ko-KR" dirty="0" smtClean="0"/>
-              <a:t/>
-            </a:r>
-            <a:br>
-              <a:rPr lang="en-US" altLang="ko-KR" dirty="0" smtClean="0"/>
-            </a:br>
-            <a:endParaRPr lang="en-US" altLang="ko-KR" dirty="0" smtClean="0"/>
-          </a:p>
-          <a:p>
-            <a:r>
-              <a:rPr lang="ko-KR" altLang="en-US" dirty="0" smtClean="0"/>
-              <a:t>운영체제가 </a:t>
+              <a:t>현재 이용 중인 다양한 서버 운영체제들이 </a:t>
             </a:r>
             <a:r>
               <a:rPr lang="en-US" altLang="ko-KR" dirty="0" smtClean="0"/>
               <a:t>MMOG </a:t>
             </a:r>
             <a:r>
-              <a:rPr lang="ko-KR" altLang="en-US" dirty="0"/>
-              <a:t>서버 성능에 </a:t>
-            </a:r>
-            <a:r>
               <a:rPr lang="ko-KR" altLang="en-US" dirty="0" smtClean="0"/>
-              <a:t>얼마나 </a:t>
-            </a:r>
-            <a:r>
-              <a:rPr lang="ko-KR" altLang="en-US" dirty="0"/>
-              <a:t>영향을 미치는가에 대하여 </a:t>
-            </a:r>
-            <a:r>
-              <a:rPr lang="ko-KR" altLang="en-US" dirty="0" smtClean="0"/>
-              <a:t>알아본다</a:t>
+              <a:t>서버 성능에 얼마나 영향을 미치는가에 대하여 알아본다</a:t>
             </a:r>
             <a:r>
               <a:rPr lang="en-US" altLang="ko-KR" dirty="0" smtClean="0"/>
               <a:t>.</a:t>
             </a:r>
-            <a:endParaRPr lang="en-US" altLang="ko-KR" dirty="0"/>
+          </a:p>
+          <a:p>
+            <a:endParaRPr lang="en-US" altLang="ko-KR" dirty="0" smtClean="0"/>
+          </a:p>
+          <a:p>
+            <a:r>
+              <a:rPr lang="ko-KR" altLang="en-US" dirty="0" smtClean="0"/>
+              <a:t>운영체제마다 다양한 소켓 모델이 존재한다</a:t>
+            </a:r>
+            <a:r>
+              <a:rPr lang="en-US" altLang="ko-KR" dirty="0" smtClean="0"/>
+              <a:t>. </a:t>
+            </a:r>
+            <a:r>
+              <a:rPr lang="ko-KR" altLang="en-US" dirty="0" smtClean="0"/>
+              <a:t>각 운영체제에 맞는 코드를 작성하는데 어려움이 있다</a:t>
+            </a:r>
+            <a:r>
+              <a:rPr lang="en-US" altLang="ko-KR" dirty="0" smtClean="0"/>
+              <a:t>.</a:t>
+            </a:r>
+            <a:endParaRPr lang="ko-KR" altLang="en-US" dirty="0"/>
           </a:p>
         </p:txBody>
       </p:sp>
-      <p:pic>
-        <p:nvPicPr>
-          <p:cNvPr id="5" name="Picture 2" descr="https://scontent.xx.fbcdn.net/hphotos-xat1/v/t34.0-12/10647678_925814770836101_1960302272_n.jpg?oh=9c5e7f63f3ae107fe9873477700c02a6&amp;oe=5678D743"/>
-          <p:cNvPicPr>
-            <a:picLocks noChangeAspect="1" noChangeArrowheads="1"/>
-          </p:cNvPicPr>
-          <p:nvPr/>
-        </p:nvPicPr>
-        <p:blipFill rotWithShape="1">
-          <a:blip r:embed="rId2">
-            <a:extLst>
-              <a:ext uri="{28A0092B-C50C-407E-A947-70E740481C1C}">
-                <a14:useLocalDpi xmlns:a14="http://schemas.microsoft.com/office/drawing/2010/main" val="0"/>
-              </a:ext>
-            </a:extLst>
-          </a:blip>
-          <a:srcRect t="2538" b="53685"/>
-          <a:stretch/>
-        </p:blipFill>
-        <p:spPr bwMode="auto">
-          <a:xfrm>
-            <a:off x="539552" y="2489198"/>
-            <a:ext cx="8382000" cy="1371850"/>
-          </a:xfrm>
-          <a:prstGeom prst="rect">
-            <a:avLst/>
-          </a:prstGeom>
-          <a:noFill/>
-          <a:extLst>
-            <a:ext uri="{909E8E84-426E-40DD-AFC4-6F175D3DCCD1}">
-              <a14:hiddenFill xmlns:a14="http://schemas.microsoft.com/office/drawing/2010/main">
-                <a:solidFill>
-                  <a:srgbClr val="FFFFFF"/>
-                </a:solidFill>
-              </a14:hiddenFill>
-            </a:ext>
-          </a:extLst>
-        </p:spPr>
-      </p:pic>
     </p:spTree>
     <p:extLst>
       <p:ext uri="{BB962C8B-B14F-4D97-AF65-F5344CB8AC3E}">
-        <p14:creationId xmlns:p14="http://schemas.microsoft.com/office/powerpoint/2010/main" val="519473777"/>
+        <p14:creationId xmlns:p14="http://schemas.microsoft.com/office/powerpoint/2010/main" val="4258465225"/>
       </p:ext>
     </p:extLst>
   </p:cSld>
@@ -12422,7 +13816,11 @@
           <a:p>
             <a:r>
               <a:rPr lang="en-US" altLang="ko-KR" dirty="0" smtClean="0"/>
-              <a:t>2. Socket Multiplexing</a:t>
+              <a:t>2. </a:t>
+            </a:r>
+            <a:r>
+              <a:rPr lang="ko-KR" altLang="en-US" dirty="0" smtClean="0"/>
+              <a:t>연구방법</a:t>
             </a:r>
             <a:endParaRPr lang="ko-KR" altLang="en-US" dirty="0"/>
           </a:p>
@@ -12444,298 +13842,74 @@
           <a:lstStyle/>
           <a:p>
             <a:r>
-              <a:rPr lang="en-US" altLang="ko-KR" smtClean="0"/>
-              <a:t>MMOG </a:t>
-            </a:r>
-            <a:r>
-              <a:rPr lang="ko-KR" altLang="en-US" smtClean="0"/>
-              <a:t>서버에서는 많은 </a:t>
-            </a:r>
-            <a:r>
               <a:rPr lang="ko-KR" altLang="en-US" dirty="0" smtClean="0"/>
-              <a:t>수의 소켓을 관리해야 함</a:t>
+              <a:t>운영체제 별 다른 모델로 개발하여 </a:t>
+            </a:r>
+            <a:r>
+              <a:rPr lang="ko-KR" altLang="en-US" dirty="0"/>
+              <a:t>테스트 하는 경우</a:t>
+            </a:r>
+            <a:r>
+              <a:rPr lang="en-US" altLang="ko-KR" dirty="0"/>
+              <a:t>, </a:t>
+            </a:r>
+            <a:r>
+              <a:rPr lang="ko-KR" altLang="en-US" dirty="0"/>
+              <a:t>코드에 따라 다른 결과가 나올 수 </a:t>
+            </a:r>
+            <a:r>
+              <a:rPr lang="ko-KR" altLang="en-US" dirty="0" smtClean="0"/>
+              <a:t>있다</a:t>
+            </a:r>
+            <a:r>
+              <a:rPr lang="en-US" altLang="ko-KR" dirty="0" smtClean="0"/>
+              <a:t>.</a:t>
             </a:r>
             <a:endParaRPr lang="en-US" altLang="ko-KR" dirty="0" smtClean="0"/>
           </a:p>
           <a:p>
+            <a:endParaRPr lang="en-US" altLang="ko-KR" dirty="0"/>
+          </a:p>
+          <a:p>
+            <a:r>
+              <a:rPr lang="ko-KR" altLang="en-US" dirty="0" smtClean="0"/>
+              <a:t>동일한 코드의</a:t>
+            </a:r>
+            <a:r>
+              <a:rPr lang="en-US" altLang="ko-KR" dirty="0"/>
+              <a:t> </a:t>
+            </a:r>
+            <a:r>
+              <a:rPr lang="ko-KR" altLang="en-US" dirty="0" smtClean="0"/>
+              <a:t>서버를 다른 운영체제 환경에서 테스트를 진행해야 한다</a:t>
+            </a:r>
+            <a:r>
+              <a:rPr lang="en-US" altLang="ko-KR" dirty="0" smtClean="0"/>
+              <a:t>!</a:t>
+            </a:r>
+          </a:p>
+          <a:p>
             <a:pPr lvl="1"/>
             <a:r>
               <a:rPr lang="en-US" altLang="ko-KR" dirty="0" smtClean="0"/>
-              <a:t>Socket multiplexing </a:t>
+              <a:t>Boost</a:t>
             </a:r>
             <a:r>
               <a:rPr lang="ko-KR" altLang="en-US" dirty="0" smtClean="0"/>
-              <a:t>방법</a:t>
+              <a:t>를 사용하여 서버를 제작</a:t>
+            </a:r>
+            <a:endParaRPr lang="en-US" altLang="ko-KR" dirty="0"/>
+          </a:p>
+          <a:p>
+            <a:pPr lvl="1"/>
+            <a:r>
+              <a:rPr lang="ko-KR" altLang="en-US" dirty="0" smtClean="0"/>
+              <a:t>여러 운영체제에서 테스트를 진행</a:t>
             </a:r>
             <a:endParaRPr lang="en-US" altLang="ko-KR" dirty="0" smtClean="0"/>
           </a:p>
           <a:p>
             <a:pPr lvl="1"/>
-            <a:r>
-              <a:rPr lang="en-US" altLang="ko-KR" dirty="0" smtClean="0"/>
-              <a:t>select(), poll() : O(n^2)</a:t>
-            </a:r>
-            <a:endParaRPr lang="en-US" altLang="ko-KR" dirty="0" smtClean="0"/>
-          </a:p>
-          <a:p>
-            <a:pPr lvl="1"/>
-            <a:r>
-              <a:rPr lang="en-US" altLang="ko-KR" dirty="0" smtClean="0"/>
-              <a:t>C10k problem</a:t>
-            </a:r>
-          </a:p>
-          <a:p>
-            <a:pPr lvl="1"/>
-            <a:endParaRPr lang="en-US" altLang="ko-KR" dirty="0" smtClean="0"/>
-          </a:p>
-          <a:p>
-            <a:r>
-              <a:rPr lang="ko-KR" altLang="en-US" dirty="0"/>
-              <a:t>운영체제 별 다양한 모델이 있음</a:t>
-            </a:r>
-            <a:endParaRPr lang="en-US" altLang="ko-KR" dirty="0"/>
-          </a:p>
-          <a:p>
-            <a:pPr lvl="1"/>
-            <a:r>
-              <a:rPr lang="en-US" altLang="ko-KR" dirty="0"/>
-              <a:t>Linux - </a:t>
-            </a:r>
-            <a:r>
-              <a:rPr lang="en-US" altLang="ko-KR" dirty="0" err="1"/>
-              <a:t>epoll</a:t>
-            </a:r>
-            <a:endParaRPr lang="en-US" altLang="ko-KR" dirty="0"/>
-          </a:p>
-          <a:p>
-            <a:pPr lvl="1"/>
-            <a:r>
-              <a:rPr lang="en-US" altLang="ko-KR" dirty="0"/>
-              <a:t>Windows - </a:t>
-            </a:r>
-            <a:r>
-              <a:rPr lang="en-US" altLang="ko-KR" dirty="0" smtClean="0"/>
-              <a:t>IOCP</a:t>
-            </a:r>
-            <a:endParaRPr lang="en-US" altLang="ko-KR" dirty="0"/>
-          </a:p>
-        </p:txBody>
-      </p:sp>
-      <p:sp>
-        <p:nvSpPr>
-          <p:cNvPr id="4" name="내용 개체 틀 2"/>
-          <p:cNvSpPr txBox="1">
-            <a:spLocks/>
-          </p:cNvSpPr>
-          <p:nvPr/>
-        </p:nvSpPr>
-        <p:spPr bwMode="auto">
-          <a:xfrm>
-            <a:off x="3851920" y="4958924"/>
-            <a:ext cx="3807361" cy="925215"/>
-          </a:xfrm>
-          <a:prstGeom prst="rect">
-            <a:avLst/>
-          </a:prstGeom>
-          <a:noFill/>
-          <a:ln>
-            <a:noFill/>
-          </a:ln>
-          <a:extLst>
-            <a:ext uri="{909E8E84-426E-40DD-AFC4-6F175D3DCCD1}">
-              <a14:hiddenFill xmlns:a14="http://schemas.microsoft.com/office/drawing/2010/main">
-                <a:solidFill>
-                  <a:srgbClr val="FFFFFF"/>
-                </a:solidFill>
-              </a14:hiddenFill>
-            </a:ext>
-            <a:ext uri="{91240B29-F687-4F45-9708-019B960494DF}">
-              <a14:hiddenLine xmlns:a14="http://schemas.microsoft.com/office/drawing/2010/main" w="9525">
-                <a:solidFill>
-                  <a:srgbClr val="000000"/>
-                </a:solidFill>
-                <a:miter lim="800000"/>
-                <a:headEnd/>
-                <a:tailEnd/>
-              </a14:hiddenLine>
-            </a:ext>
-          </a:extLst>
-        </p:spPr>
-        <p:txBody>
-          <a:bodyPr vert="horz" wrap="square" lIns="91440" tIns="45720" rIns="91440" bIns="45720" numCol="1" anchor="t" anchorCtr="0" compatLnSpc="1">
-            <a:prstTxWarp prst="textNoShape">
-              <a:avLst/>
-            </a:prstTxWarp>
-          </a:bodyPr>
-          <a:lstStyle>
-            <a:lvl1pPr marL="342900" indent="-342900" algn="l" rtl="0" eaLnBrk="1" fontAlgn="base" latinLnBrk="1" hangingPunct="1">
-              <a:spcBef>
-                <a:spcPct val="20000"/>
-              </a:spcBef>
-              <a:spcAft>
-                <a:spcPct val="0"/>
-              </a:spcAft>
-              <a:buChar char="•"/>
-              <a:defRPr kumimoji="1" sz="3200">
-                <a:solidFill>
-                  <a:srgbClr val="181E5E"/>
-                </a:solidFill>
-                <a:latin typeface="+mn-lt"/>
-                <a:ea typeface="+mn-ea"/>
-                <a:cs typeface="+mn-cs"/>
-              </a:defRPr>
-            </a:lvl1pPr>
-            <a:lvl2pPr marL="742950" indent="-285750" algn="l" rtl="0" eaLnBrk="1" fontAlgn="base" latinLnBrk="1" hangingPunct="1">
-              <a:spcBef>
-                <a:spcPct val="20000"/>
-              </a:spcBef>
-              <a:spcAft>
-                <a:spcPct val="0"/>
-              </a:spcAft>
-              <a:buChar char="–"/>
-              <a:defRPr kumimoji="1" sz="2800">
-                <a:solidFill>
-                  <a:srgbClr val="181E5E"/>
-                </a:solidFill>
-                <a:latin typeface="+mn-lt"/>
-                <a:ea typeface="+mn-ea"/>
-              </a:defRPr>
-            </a:lvl2pPr>
-            <a:lvl3pPr marL="1143000" indent="-228600" algn="l" rtl="0" eaLnBrk="1" fontAlgn="base" latinLnBrk="1" hangingPunct="1">
-              <a:spcBef>
-                <a:spcPct val="20000"/>
-              </a:spcBef>
-              <a:spcAft>
-                <a:spcPct val="0"/>
-              </a:spcAft>
-              <a:buChar char="•"/>
-              <a:defRPr kumimoji="1" sz="2400">
-                <a:solidFill>
-                  <a:srgbClr val="181E5E"/>
-                </a:solidFill>
-                <a:latin typeface="+mn-lt"/>
-                <a:ea typeface="+mn-ea"/>
-              </a:defRPr>
-            </a:lvl3pPr>
-            <a:lvl4pPr marL="1600200" indent="-228600" algn="l" rtl="0" eaLnBrk="1" fontAlgn="base" latinLnBrk="1" hangingPunct="1">
-              <a:spcBef>
-                <a:spcPct val="20000"/>
-              </a:spcBef>
-              <a:spcAft>
-                <a:spcPct val="0"/>
-              </a:spcAft>
-              <a:buChar char="–"/>
-              <a:defRPr kumimoji="1" sz="2000">
-                <a:solidFill>
-                  <a:srgbClr val="181E5E"/>
-                </a:solidFill>
-                <a:latin typeface="+mn-lt"/>
-                <a:ea typeface="+mn-ea"/>
-              </a:defRPr>
-            </a:lvl4pPr>
-            <a:lvl5pPr marL="2057400" indent="-228600" algn="l" rtl="0" eaLnBrk="1" fontAlgn="base" latinLnBrk="1" hangingPunct="1">
-              <a:spcBef>
-                <a:spcPct val="20000"/>
-              </a:spcBef>
-              <a:spcAft>
-                <a:spcPct val="0"/>
-              </a:spcAft>
-              <a:buChar char="»"/>
-              <a:defRPr kumimoji="1" sz="2000">
-                <a:solidFill>
-                  <a:srgbClr val="181E5E"/>
-                </a:solidFill>
-                <a:latin typeface="+mn-lt"/>
-                <a:ea typeface="+mn-ea"/>
-              </a:defRPr>
-            </a:lvl5pPr>
-            <a:lvl6pPr marL="2514600" indent="-228600" algn="l" rtl="0" eaLnBrk="1" fontAlgn="base" latinLnBrk="1" hangingPunct="1">
-              <a:spcBef>
-                <a:spcPct val="20000"/>
-              </a:spcBef>
-              <a:spcAft>
-                <a:spcPct val="0"/>
-              </a:spcAft>
-              <a:buChar char="»"/>
-              <a:defRPr kumimoji="1" sz="2000">
-                <a:solidFill>
-                  <a:srgbClr val="181E5E"/>
-                </a:solidFill>
-                <a:latin typeface="+mn-lt"/>
-                <a:ea typeface="+mn-ea"/>
-              </a:defRPr>
-            </a:lvl6pPr>
-            <a:lvl7pPr marL="2971800" indent="-228600" algn="l" rtl="0" eaLnBrk="1" fontAlgn="base" latinLnBrk="1" hangingPunct="1">
-              <a:spcBef>
-                <a:spcPct val="20000"/>
-              </a:spcBef>
-              <a:spcAft>
-                <a:spcPct val="0"/>
-              </a:spcAft>
-              <a:buChar char="»"/>
-              <a:defRPr kumimoji="1" sz="2000">
-                <a:solidFill>
-                  <a:srgbClr val="181E5E"/>
-                </a:solidFill>
-                <a:latin typeface="+mn-lt"/>
-                <a:ea typeface="+mn-ea"/>
-              </a:defRPr>
-            </a:lvl7pPr>
-            <a:lvl8pPr marL="3429000" indent="-228600" algn="l" rtl="0" eaLnBrk="1" fontAlgn="base" latinLnBrk="1" hangingPunct="1">
-              <a:spcBef>
-                <a:spcPct val="20000"/>
-              </a:spcBef>
-              <a:spcAft>
-                <a:spcPct val="0"/>
-              </a:spcAft>
-              <a:buChar char="»"/>
-              <a:defRPr kumimoji="1" sz="2000">
-                <a:solidFill>
-                  <a:srgbClr val="181E5E"/>
-                </a:solidFill>
-                <a:latin typeface="+mn-lt"/>
-                <a:ea typeface="+mn-ea"/>
-              </a:defRPr>
-            </a:lvl8pPr>
-            <a:lvl9pPr marL="3886200" indent="-228600" algn="l" rtl="0" eaLnBrk="1" fontAlgn="base" latinLnBrk="1" hangingPunct="1">
-              <a:spcBef>
-                <a:spcPct val="20000"/>
-              </a:spcBef>
-              <a:spcAft>
-                <a:spcPct val="0"/>
-              </a:spcAft>
-              <a:buChar char="»"/>
-              <a:defRPr kumimoji="1" sz="2000">
-                <a:solidFill>
-                  <a:srgbClr val="181E5E"/>
-                </a:solidFill>
-                <a:latin typeface="+mn-lt"/>
-                <a:ea typeface="+mn-ea"/>
-              </a:defRPr>
-            </a:lvl9pPr>
-          </a:lstStyle>
-          <a:p>
-            <a:pPr lvl="1"/>
-            <a:r>
-              <a:rPr lang="en-US" altLang="ko-KR" dirty="0"/>
-              <a:t>BSD - </a:t>
-            </a:r>
-            <a:r>
-              <a:rPr lang="en-US" altLang="ko-KR" dirty="0" err="1"/>
-              <a:t>kqueue</a:t>
-            </a:r>
-            <a:endParaRPr lang="en-US" altLang="ko-KR" dirty="0"/>
-          </a:p>
-          <a:p>
-            <a:pPr lvl="1"/>
-            <a:r>
-              <a:rPr lang="en-US" altLang="ko-KR" dirty="0"/>
-              <a:t>Solaris - </a:t>
-            </a:r>
-            <a:r>
-              <a:rPr lang="en-US" altLang="ko-KR" dirty="0" smtClean="0"/>
-              <a:t>/dev/poll</a:t>
-            </a:r>
             <a:endParaRPr lang="en-US" altLang="ko-KR" dirty="0"/>
           </a:p>
         </p:txBody>
@@ -12743,7 +13917,7 @@
     </p:spTree>
     <p:extLst>
       <p:ext uri="{BB962C8B-B14F-4D97-AF65-F5344CB8AC3E}">
-        <p14:creationId xmlns:p14="http://schemas.microsoft.com/office/powerpoint/2010/main" val="3815407982"/>
+        <p14:creationId xmlns:p14="http://schemas.microsoft.com/office/powerpoint/2010/main" val="1953133717"/>
       </p:ext>
     </p:extLst>
   </p:cSld>
@@ -12802,7 +13976,7 @@
           <a:p>
             <a:r>
               <a:rPr lang="en-US" altLang="ko-KR" dirty="0" smtClean="0"/>
-              <a:t>3. </a:t>
+              <a:t>2. </a:t>
             </a:r>
             <a:r>
               <a:rPr lang="ko-KR" altLang="en-US" dirty="0" smtClean="0"/>
@@ -12828,74 +14002,114 @@
           <a:lstStyle/>
           <a:p>
             <a:r>
-              <a:rPr lang="ko-KR" altLang="en-US" dirty="0" smtClean="0"/>
-              <a:t>운영체제 별 다른 모델로 개발하여 </a:t>
+              <a:rPr lang="en-US" altLang="ko-KR" dirty="0"/>
+              <a:t>Boost</a:t>
             </a:r>
             <a:r>
               <a:rPr lang="ko-KR" altLang="en-US" dirty="0"/>
-              <a:t>테스트 하는 경우</a:t>
+              <a:t>란</a:t>
             </a:r>
             <a:r>
               <a:rPr lang="en-US" altLang="ko-KR" dirty="0"/>
               <a:t>, </a:t>
             </a:r>
+          </a:p>
+          <a:p>
+            <a:pPr lvl="1"/>
+            <a:r>
+              <a:rPr lang="en-US" altLang="ko-KR" dirty="0"/>
+              <a:t>C++</a:t>
+            </a:r>
             <a:r>
               <a:rPr lang="ko-KR" altLang="en-US" dirty="0"/>
-              <a:t>코드에 따라 다른 결과가 나올 수 있음</a:t>
+              <a:t>에서 추가 사용하는 라이브러리</a:t>
+            </a:r>
+            <a:endParaRPr lang="en-US" altLang="ko-KR" dirty="0"/>
+          </a:p>
+          <a:p>
+            <a:pPr lvl="1"/>
+            <a:r>
+              <a:rPr lang="en-US" altLang="ko-KR" dirty="0"/>
+              <a:t>Unix/Windows/Linux</a:t>
+            </a:r>
+            <a:r>
+              <a:rPr lang="ko-KR" altLang="en-US" dirty="0"/>
+              <a:t>등의 </a:t>
+            </a:r>
+            <a:r>
+              <a:rPr lang="en-US" altLang="ko-KR" dirty="0"/>
+              <a:t>OS</a:t>
+            </a:r>
+            <a:r>
+              <a:rPr lang="ko-KR" altLang="en-US" dirty="0"/>
+              <a:t>에 호환</a:t>
+            </a:r>
+            <a:endParaRPr lang="en-US" altLang="ko-KR" dirty="0"/>
+          </a:p>
+          <a:p>
+            <a:pPr lvl="1"/>
+            <a:r>
+              <a:rPr lang="ko-KR" altLang="en-US" dirty="0"/>
+              <a:t>일부가 </a:t>
+            </a:r>
+            <a:r>
+              <a:rPr lang="en-US" altLang="ko-KR" dirty="0"/>
+              <a:t>C++11 </a:t>
+            </a:r>
+            <a:r>
+              <a:rPr lang="ko-KR" altLang="en-US" dirty="0"/>
+              <a:t>표준에 </a:t>
+            </a:r>
+            <a:r>
+              <a:rPr lang="ko-KR" altLang="en-US" dirty="0" smtClean="0"/>
+              <a:t>추가됨</a:t>
             </a:r>
             <a:endParaRPr lang="en-US" altLang="ko-KR" dirty="0" smtClean="0"/>
           </a:p>
           <a:p>
+            <a:pPr lvl="1"/>
+            <a:r>
+              <a:rPr lang="ko-KR" altLang="en-US" dirty="0" smtClean="0"/>
+              <a:t>현재 </a:t>
+            </a:r>
+            <a:r>
+              <a:rPr lang="en-US" altLang="ko-KR" dirty="0" smtClean="0"/>
+              <a:t>1.61.0 beta</a:t>
+            </a:r>
             <a:endParaRPr lang="en-US" altLang="ko-KR" dirty="0"/>
           </a:p>
           <a:p>
+            <a:endParaRPr lang="en-US" altLang="ko-KR" dirty="0" smtClean="0"/>
+          </a:p>
+          <a:p>
+            <a:r>
+              <a:rPr lang="en-US" altLang="ko-KR" dirty="0" err="1"/>
+              <a:t>Boost.Asio</a:t>
+            </a:r>
+            <a:r>
+              <a:rPr lang="ko-KR" altLang="en-US" dirty="0"/>
+              <a:t>를 이용한 서버 구현</a:t>
+            </a:r>
+            <a:endParaRPr lang="en-US" altLang="ko-KR" dirty="0"/>
+          </a:p>
+          <a:p>
+            <a:pPr lvl="1"/>
+            <a:r>
+              <a:rPr lang="ko-KR" altLang="en-US" dirty="0" err="1" smtClean="0"/>
+              <a:t>비동기</a:t>
+            </a:r>
             <a:r>
               <a:rPr lang="ko-KR" altLang="en-US" dirty="0" smtClean="0"/>
-              <a:t>동일한 코드의</a:t>
-            </a:r>
-            <a:r>
-              <a:rPr lang="en-US" altLang="ko-KR" dirty="0"/>
-              <a:t> </a:t>
-            </a:r>
-            <a:r>
-              <a:rPr lang="ko-KR" altLang="en-US" dirty="0" smtClean="0"/>
-              <a:t>서버를 다른 운영체제 환경에서 테스트를 진행해야 한다</a:t>
-            </a:r>
-            <a:r>
-              <a:rPr lang="en-US" altLang="ko-KR" dirty="0" smtClean="0"/>
-              <a:t>!</a:t>
-            </a:r>
-          </a:p>
-          <a:p>
-            <a:pPr lvl="1"/>
-            <a:r>
-              <a:rPr lang="en-US" altLang="ko-KR" dirty="0" smtClean="0"/>
-              <a:t>Boost</a:t>
-            </a:r>
-            <a:r>
-              <a:rPr lang="ko-KR" altLang="en-US" dirty="0" smtClean="0"/>
-              <a:t>를 사용하여 서버를 제작</a:t>
-            </a:r>
-            <a:endParaRPr lang="en-US" altLang="ko-KR" dirty="0"/>
-          </a:p>
-          <a:p>
-            <a:pPr lvl="1"/>
-            <a:r>
-              <a:rPr lang="ko-KR" altLang="en-US" dirty="0" smtClean="0"/>
-              <a:t>여러 운영체제에서 테스트를 진행</a:t>
+              <a:t> 입출력 방식 제공</a:t>
             </a:r>
             <a:endParaRPr lang="en-US" altLang="ko-KR" dirty="0" smtClean="0"/>
-          </a:p>
-          <a:p>
-            <a:pPr lvl="1"/>
-            <a:endParaRPr lang="en-US" altLang="ko-KR" dirty="0"/>
           </a:p>
         </p:txBody>
       </p:sp>
     </p:spTree>
     <p:extLst>
       <p:ext uri="{BB962C8B-B14F-4D97-AF65-F5344CB8AC3E}">
-        <p14:creationId xmlns:p14="http://schemas.microsoft.com/office/powerpoint/2010/main" val="1953133717"/>
+        <p14:creationId xmlns:p14="http://schemas.microsoft.com/office/powerpoint/2010/main" val="1818564549"/>
       </p:ext>
     </p:extLst>
   </p:cSld>
@@ -12954,7 +14168,7 @@
           <a:p>
             <a:r>
               <a:rPr lang="en-US" altLang="ko-KR" dirty="0" smtClean="0"/>
-              <a:t>3. </a:t>
+              <a:t>2. </a:t>
             </a:r>
             <a:r>
               <a:rPr lang="ko-KR" altLang="en-US" dirty="0" smtClean="0"/>
@@ -12980,90 +14194,100 @@
           <a:lstStyle/>
           <a:p>
             <a:r>
-              <a:rPr lang="en-US" altLang="ko-KR" dirty="0"/>
-              <a:t>Boost</a:t>
+              <a:rPr lang="en-US" altLang="ko-KR" dirty="0" smtClean="0"/>
+              <a:t>Boost </a:t>
+            </a:r>
+            <a:r>
+              <a:rPr lang="en-US" altLang="ko-KR" dirty="0" err="1" smtClean="0"/>
+              <a:t>Asio</a:t>
+            </a:r>
+            <a:r>
+              <a:rPr lang="en-US" altLang="ko-KR" dirty="0" smtClean="0"/>
+              <a:t> Server</a:t>
+            </a:r>
+            <a:r>
+              <a:rPr lang="ko-KR" altLang="en-US" dirty="0" smtClean="0"/>
+              <a:t> </a:t>
+            </a:r>
+            <a:r>
+              <a:rPr lang="en-US" altLang="ko-KR" dirty="0" smtClean="0"/>
+              <a:t>( MMO )</a:t>
+            </a:r>
+          </a:p>
+          <a:p>
+            <a:pPr lvl="1"/>
+            <a:r>
+              <a:rPr lang="ko-KR" altLang="en-US" dirty="0" smtClean="0"/>
+              <a:t>동시접속 </a:t>
+            </a:r>
+            <a:r>
+              <a:rPr lang="en-US" altLang="ko-KR" dirty="0" smtClean="0"/>
+              <a:t>3000</a:t>
+            </a:r>
+            <a:r>
+              <a:rPr lang="ko-KR" altLang="en-US" dirty="0" smtClean="0"/>
+              <a:t>명 이상</a:t>
+            </a:r>
+            <a:endParaRPr lang="en-US" altLang="ko-KR" dirty="0" smtClean="0"/>
+          </a:p>
+          <a:p>
+            <a:pPr lvl="1"/>
+            <a:r>
+              <a:rPr lang="ko-KR" altLang="en-US" dirty="0" smtClean="0"/>
+              <a:t>좌표와 시야범위 관리</a:t>
+            </a:r>
+            <a:endParaRPr lang="en-US" altLang="ko-KR" dirty="0" smtClean="0"/>
+          </a:p>
+          <a:p>
+            <a:pPr lvl="1"/>
+            <a:endParaRPr lang="en-US" altLang="ko-KR" dirty="0" smtClean="0"/>
+          </a:p>
+          <a:p>
+            <a:r>
+              <a:rPr lang="en-US" altLang="ko-KR" dirty="0" smtClean="0"/>
+              <a:t>Test Client</a:t>
+            </a:r>
+          </a:p>
+          <a:p>
+            <a:pPr lvl="1"/>
+            <a:r>
+              <a:rPr lang="ko-KR" altLang="en-US" dirty="0" smtClean="0"/>
+              <a:t>일정 시간마다 이</a:t>
             </a:r>
             <a:r>
               <a:rPr lang="ko-KR" altLang="en-US" dirty="0"/>
-              <a:t>란</a:t>
-            </a:r>
-            <a:r>
-              <a:rPr lang="en-US" altLang="ko-KR" dirty="0"/>
-              <a:t>, </a:t>
-            </a:r>
+              <a:t>동</a:t>
+            </a:r>
+            <a:r>
+              <a:rPr lang="ko-KR" altLang="en-US" dirty="0" smtClean="0"/>
+              <a:t> </a:t>
+            </a:r>
+            <a:r>
+              <a:rPr lang="ko-KR" altLang="en-US" dirty="0" err="1" smtClean="0"/>
+              <a:t>패킷을</a:t>
+            </a:r>
+            <a:r>
+              <a:rPr lang="ko-KR" altLang="en-US" dirty="0" smtClean="0"/>
+              <a:t> 보내도록 한다</a:t>
+            </a:r>
+            <a:endParaRPr lang="en-US" altLang="ko-KR" dirty="0" smtClean="0"/>
           </a:p>
           <a:p>
             <a:pPr lvl="1"/>
             <a:r>
-              <a:rPr lang="en-US" altLang="ko-KR" dirty="0"/>
-              <a:t>C++</a:t>
-            </a:r>
-            <a:r>
-              <a:rPr lang="ko-KR" altLang="en-US" dirty="0"/>
-              <a:t>에서 추가 사용하는 라이브러리</a:t>
-            </a:r>
+              <a:rPr lang="ko-KR" altLang="en-US" dirty="0" smtClean="0"/>
+              <a:t>사용자 움직임과 비슷하도록 랜덤 </a:t>
+            </a:r>
+            <a:r>
+              <a:rPr lang="en-US" altLang="ko-KR" dirty="0" smtClean="0"/>
+              <a:t>walk</a:t>
+            </a:r>
+          </a:p>
+          <a:p>
+            <a:pPr lvl="1"/>
             <a:endParaRPr lang="en-US" altLang="ko-KR" dirty="0"/>
           </a:p>
           <a:p>
-            <a:pPr lvl="1"/>
-            <a:r>
-              <a:rPr lang="en-US" altLang="ko-KR" dirty="0"/>
-              <a:t>Unix/Windows/Linux</a:t>
-            </a:r>
-            <a:r>
-              <a:rPr lang="ko-KR" altLang="en-US" dirty="0"/>
-              <a:t>등의 </a:t>
-            </a:r>
-            <a:r>
-              <a:rPr lang="en-US" altLang="ko-KR" dirty="0"/>
-              <a:t>OS</a:t>
-            </a:r>
-            <a:r>
-              <a:rPr lang="ko-KR" altLang="en-US" dirty="0"/>
-              <a:t>에 호환</a:t>
-            </a:r>
-            <a:endParaRPr lang="en-US" altLang="ko-KR" dirty="0"/>
-          </a:p>
-          <a:p>
-            <a:pPr lvl="1"/>
-            <a:r>
-              <a:rPr lang="ko-KR" altLang="en-US" dirty="0"/>
-              <a:t>일부가 </a:t>
-            </a:r>
-            <a:r>
-              <a:rPr lang="en-US" altLang="ko-KR" dirty="0"/>
-              <a:t>C++11 </a:t>
-            </a:r>
-            <a:r>
-              <a:rPr lang="ko-KR" altLang="en-US" dirty="0"/>
-              <a:t>표준에 추가됨</a:t>
-            </a:r>
-            <a:endParaRPr lang="en-US" altLang="ko-KR" dirty="0"/>
-          </a:p>
-          <a:p>
-            <a:endParaRPr lang="en-US" altLang="ko-KR" dirty="0" smtClean="0"/>
-          </a:p>
-          <a:p>
-            <a:r>
-              <a:rPr lang="en-US" altLang="ko-KR" dirty="0" err="1"/>
-              <a:t>Boost.Asio</a:t>
-            </a:r>
-            <a:r>
-              <a:rPr lang="ko-KR" altLang="en-US" dirty="0"/>
-              <a:t>를 이용한 서버 구현</a:t>
-            </a:r>
-            <a:endParaRPr lang="en-US" altLang="ko-KR" dirty="0"/>
-          </a:p>
-          <a:p>
-            <a:pPr lvl="1"/>
-            <a:r>
-              <a:rPr lang="ko-KR" altLang="en-US" dirty="0" err="1" smtClean="0"/>
-              <a:t>비동기</a:t>
-            </a:r>
-            <a:r>
-              <a:rPr lang="ko-KR" altLang="en-US" dirty="0" smtClean="0"/>
-              <a:t> 입출력 방식 제공</a:t>
-            </a:r>
             <a:endParaRPr lang="en-US" altLang="ko-KR" dirty="0" smtClean="0"/>
           </a:p>
         </p:txBody>
@@ -13071,7 +14295,7 @@
     </p:spTree>
     <p:extLst>
       <p:ext uri="{BB962C8B-B14F-4D97-AF65-F5344CB8AC3E}">
-        <p14:creationId xmlns:p14="http://schemas.microsoft.com/office/powerpoint/2010/main" val="1818564549"/>
+        <p14:creationId xmlns:p14="http://schemas.microsoft.com/office/powerpoint/2010/main" val="1050929554"/>
       </p:ext>
     </p:extLst>
   </p:cSld>
@@ -13130,7 +14354,7 @@
           <a:p>
             <a:r>
               <a:rPr lang="en-US" altLang="ko-KR" dirty="0" smtClean="0"/>
-              <a:t>3. </a:t>
+              <a:t>2. </a:t>
             </a:r>
             <a:r>
               <a:rPr lang="ko-KR" altLang="en-US" dirty="0" smtClean="0"/>
@@ -13156,120 +14380,100 @@
           <a:lstStyle/>
           <a:p>
             <a:r>
+              <a:rPr lang="ko-KR" altLang="en-US" dirty="0" smtClean="0"/>
+              <a:t>측정 대상</a:t>
+            </a:r>
+            <a:endParaRPr lang="en-US" altLang="ko-KR" dirty="0" smtClean="0"/>
+          </a:p>
+          <a:p>
+            <a:pPr lvl="1"/>
+            <a:r>
               <a:rPr lang="en-US" altLang="ko-KR" dirty="0" smtClean="0"/>
-              <a:t>Boost </a:t>
+              <a:t>CPU Utilization</a:t>
+            </a:r>
+          </a:p>
+          <a:p>
+            <a:pPr lvl="2"/>
+            <a:r>
+              <a:rPr lang="en-US" altLang="ko-KR" dirty="0" smtClean="0"/>
+              <a:t>User / system</a:t>
+            </a:r>
+          </a:p>
+          <a:p>
+            <a:pPr lvl="2"/>
+            <a:r>
+              <a:rPr lang="en-US" altLang="ko-KR" dirty="0" smtClean="0"/>
+              <a:t>Per core</a:t>
+            </a:r>
+          </a:p>
+          <a:p>
+            <a:endParaRPr lang="en-US" altLang="ko-KR" dirty="0"/>
+          </a:p>
+          <a:p>
+            <a:r>
+              <a:rPr lang="ko-KR" altLang="en-US" dirty="0" smtClean="0"/>
+              <a:t>측정 도구</a:t>
+            </a:r>
+            <a:endParaRPr lang="en-US" altLang="ko-KR" dirty="0" smtClean="0"/>
+          </a:p>
+          <a:p>
+            <a:pPr lvl="1"/>
+            <a:r>
+              <a:rPr lang="en-US" altLang="ko-KR" dirty="0" smtClean="0"/>
+              <a:t>Linux : </a:t>
             </a:r>
             <a:r>
               <a:rPr lang="en-US" altLang="ko-KR" dirty="0" err="1" smtClean="0"/>
-              <a:t>Asio</a:t>
+              <a:t>vmstat</a:t>
             </a:r>
             <a:r>
               <a:rPr lang="en-US" altLang="ko-KR" dirty="0" smtClean="0"/>
-              <a:t> Server</a:t>
+              <a:t>, </a:t>
+            </a:r>
+            <a:r>
+              <a:rPr lang="en-US" altLang="ko-KR" dirty="0" err="1" smtClean="0"/>
+              <a:t>sar</a:t>
+            </a:r>
+            <a:r>
+              <a:rPr lang="en-US" altLang="ko-KR" dirty="0" smtClean="0"/>
+              <a:t> </a:t>
             </a:r>
             <a:r>
               <a:rPr lang="ko-KR" altLang="en-US" dirty="0" smtClean="0"/>
-              <a:t> </a:t>
-            </a:r>
+              <a:t>등</a:t>
+            </a:r>
+            <a:endParaRPr lang="en-US" altLang="ko-KR" dirty="0" smtClean="0"/>
+          </a:p>
+          <a:p>
+            <a:pPr lvl="1"/>
             <a:r>
               <a:rPr lang="en-US" altLang="ko-KR" dirty="0" smtClean="0"/>
-              <a:t>( MMO )</a:t>
-            </a:r>
+              <a:t>Windows : </a:t>
+            </a:r>
+            <a:r>
+              <a:rPr lang="ko-KR" altLang="en-US" dirty="0" smtClean="0"/>
+              <a:t>관리도구 </a:t>
+            </a:r>
+            <a:r>
+              <a:rPr lang="en-US" altLang="ko-KR" dirty="0" smtClean="0"/>
+              <a:t>- </a:t>
+            </a:r>
+            <a:r>
+              <a:rPr lang="ko-KR" altLang="en-US" dirty="0" smtClean="0"/>
+              <a:t>성능 모니터</a:t>
+            </a:r>
+            <a:endParaRPr lang="en-US" altLang="ko-KR" dirty="0" smtClean="0"/>
           </a:p>
           <a:p>
             <a:pPr lvl="1"/>
-            <a:r>
-              <a:rPr lang="ko-KR" altLang="en-US" dirty="0" smtClean="0"/>
-              <a:t>동시접속 </a:t>
-            </a:r>
-            <a:r>
-              <a:rPr lang="en-US" altLang="ko-KR" dirty="0" smtClean="0"/>
-              <a:t>3000</a:t>
-            </a:r>
-            <a:r>
-              <a:rPr lang="ko-KR" altLang="en-US" dirty="0" smtClean="0"/>
-              <a:t>명 </a:t>
-            </a:r>
-            <a:r>
-              <a:rPr lang="ko-KR" altLang="en-US" dirty="0" smtClean="0"/>
-              <a:t>이상</a:t>
-            </a:r>
-            <a:endParaRPr lang="en-US" altLang="ko-KR" dirty="0" smtClean="0"/>
-          </a:p>
-          <a:p>
-            <a:pPr lvl="1"/>
-            <a:r>
-              <a:rPr lang="ko-KR" altLang="en-US" dirty="0" smtClean="0"/>
-              <a:t>좌표와 시야범위 관리</a:t>
-            </a:r>
-            <a:endParaRPr lang="en-US" altLang="ko-KR" dirty="0" smtClean="0"/>
-          </a:p>
-          <a:p>
-            <a:pPr lvl="1"/>
-            <a:endParaRPr lang="en-US" altLang="ko-KR" dirty="0" smtClean="0"/>
-          </a:p>
-          <a:p>
-            <a:r>
-              <a:rPr lang="en-US" altLang="ko-KR" dirty="0" smtClean="0"/>
-              <a:t>Test Client</a:t>
-            </a:r>
-          </a:p>
-          <a:p>
-            <a:pPr lvl="1"/>
-            <a:r>
-              <a:rPr lang="ko-KR" altLang="en-US" dirty="0" smtClean="0"/>
-              <a:t>일정 시간마다 </a:t>
-            </a:r>
-            <a:r>
-              <a:rPr lang="ko-KR" altLang="en-US" dirty="0" smtClean="0"/>
-              <a:t>이</a:t>
-            </a:r>
-            <a:r>
-              <a:rPr lang="ko-KR" altLang="en-US" dirty="0"/>
-              <a:t>동</a:t>
-            </a:r>
-            <a:r>
-              <a:rPr lang="ko-KR" altLang="en-US" dirty="0" smtClean="0"/>
-              <a:t> </a:t>
-            </a:r>
-            <a:r>
-              <a:rPr lang="ko-KR" altLang="en-US" dirty="0" err="1" smtClean="0"/>
-              <a:t>패킷을</a:t>
-            </a:r>
-            <a:r>
-              <a:rPr lang="ko-KR" altLang="en-US" dirty="0" smtClean="0"/>
-              <a:t> 보내도록 한다</a:t>
-            </a:r>
-            <a:endParaRPr lang="en-US" altLang="ko-KR" dirty="0" smtClean="0"/>
-          </a:p>
-          <a:p>
-            <a:pPr lvl="1"/>
-            <a:r>
-              <a:rPr lang="ko-KR" altLang="en-US" dirty="0" smtClean="0"/>
-              <a:t>사용자 움직임과 비슷하도록</a:t>
-            </a:r>
-            <a:r>
-              <a:rPr lang="ko-KR" altLang="en-US" dirty="0" smtClean="0"/>
-              <a:t> 랜덤 </a:t>
-            </a:r>
-            <a:r>
-              <a:rPr lang="en-US" altLang="ko-KR" dirty="0" smtClean="0"/>
-              <a:t>walk</a:t>
-            </a:r>
-          </a:p>
-          <a:p>
-            <a:pPr lvl="1"/>
-            <a:endParaRPr lang="en-US" altLang="ko-KR" dirty="0"/>
-          </a:p>
-          <a:p>
-            <a:endParaRPr lang="en-US" altLang="ko-KR" dirty="0" smtClean="0"/>
+            <a:endParaRPr lang="ko-KR" altLang="en-US" dirty="0"/>
           </a:p>
         </p:txBody>
       </p:sp>
     </p:spTree>
     <p:extLst>
       <p:ext uri="{BB962C8B-B14F-4D97-AF65-F5344CB8AC3E}">
-        <p14:creationId xmlns:p14="http://schemas.microsoft.com/office/powerpoint/2010/main" val="1050929554"/>
+        <p14:creationId xmlns:p14="http://schemas.microsoft.com/office/powerpoint/2010/main" val="723223097"/>
       </p:ext>
     </p:extLst>
   </p:cSld>
@@ -13327,16 +14531,12 @@
           <a:lstStyle/>
           <a:p>
             <a:r>
-              <a:rPr lang="en-US" altLang="ko-KR" dirty="0"/>
-              <a:t>3</a:t>
-            </a:r>
-            <a:r>
               <a:rPr lang="en-US" altLang="ko-KR" dirty="0" smtClean="0"/>
-              <a:t>. </a:t>
+              <a:t>3. </a:t>
             </a:r>
             <a:r>
               <a:rPr lang="ko-KR" altLang="en-US" dirty="0" smtClean="0"/>
-              <a:t>연구방법</a:t>
+              <a:t>연구진행</a:t>
             </a:r>
             <a:endParaRPr lang="ko-KR" altLang="en-US" dirty="0"/>
           </a:p>
@@ -13358,100 +14558,94 @@
           <a:lstStyle/>
           <a:p>
             <a:r>
+              <a:rPr lang="en-US" altLang="ko-KR" dirty="0" smtClean="0"/>
+              <a:t>Boost::</a:t>
+            </a:r>
+            <a:r>
+              <a:rPr lang="en-US" altLang="ko-KR" dirty="0" err="1" smtClean="0"/>
+              <a:t>asio</a:t>
+            </a:r>
+            <a:r>
+              <a:rPr lang="en-US" altLang="ko-KR" dirty="0" smtClean="0"/>
+              <a:t>::</a:t>
+            </a:r>
+            <a:r>
+              <a:rPr lang="en-US" altLang="ko-KR" dirty="0" err="1" smtClean="0"/>
+              <a:t>io_service</a:t>
+            </a:r>
+            <a:endParaRPr lang="en-US" altLang="ko-KR" dirty="0"/>
+          </a:p>
+          <a:p>
+            <a:pPr lvl="1"/>
+            <a:r>
               <a:rPr lang="ko-KR" altLang="en-US" dirty="0" smtClean="0"/>
-              <a:t>측정 대상</a:t>
-            </a:r>
-            <a:endParaRPr lang="en-US" altLang="ko-KR" dirty="0" smtClean="0"/>
-          </a:p>
-          <a:p>
-            <a:pPr lvl="1"/>
-            <a:r>
-              <a:rPr lang="en-US" altLang="ko-KR" dirty="0" smtClean="0"/>
-              <a:t>CPU Utilization</a:t>
-            </a:r>
-          </a:p>
-          <a:p>
-            <a:pPr lvl="2"/>
-            <a:r>
-              <a:rPr lang="en-US" altLang="ko-KR" dirty="0" smtClean="0"/>
-              <a:t>User / system</a:t>
-            </a:r>
-          </a:p>
-          <a:p>
-            <a:pPr lvl="2"/>
-            <a:r>
-              <a:rPr lang="en-US" altLang="ko-KR" dirty="0" smtClean="0"/>
-              <a:t>Per core</a:t>
-            </a:r>
-          </a:p>
-          <a:p>
-            <a:endParaRPr lang="en-US" altLang="ko-KR" dirty="0"/>
-          </a:p>
-          <a:p>
-            <a:r>
-              <a:rPr lang="ko-KR" altLang="en-US" dirty="0" smtClean="0"/>
-              <a:t>측정 도구</a:t>
-            </a:r>
-            <a:endParaRPr lang="en-US" altLang="ko-KR" dirty="0" smtClean="0"/>
-          </a:p>
-          <a:p>
-            <a:pPr lvl="1"/>
-            <a:r>
-              <a:rPr lang="en-US" altLang="ko-KR" dirty="0" smtClean="0"/>
-              <a:t>Linux : </a:t>
-            </a:r>
-            <a:r>
-              <a:rPr lang="en-US" altLang="ko-KR" dirty="0" err="1" smtClean="0"/>
-              <a:t>vmstat</a:t>
+              <a:t>동기</a:t>
             </a:r>
             <a:r>
               <a:rPr lang="en-US" altLang="ko-KR" dirty="0" smtClean="0"/>
               <a:t>, </a:t>
             </a:r>
             <a:r>
-              <a:rPr lang="en-US" altLang="ko-KR" dirty="0" err="1" smtClean="0"/>
-              <a:t>sar</a:t>
+              <a:rPr lang="ko-KR" altLang="en-US" dirty="0" err="1" smtClean="0"/>
+              <a:t>비동기</a:t>
+            </a:r>
+            <a:r>
+              <a:rPr lang="ko-KR" altLang="en-US" dirty="0" smtClean="0"/>
+              <a:t> 입출력 작업을 수행할 때 필요한 객체</a:t>
             </a:r>
             <a:r>
               <a:rPr lang="en-US" altLang="ko-KR" dirty="0" smtClean="0"/>
-              <a:t> </a:t>
-            </a:r>
+              <a:t>.</a:t>
+            </a:r>
+          </a:p>
+          <a:p>
+            <a:pPr lvl="1"/>
             <a:r>
               <a:rPr lang="ko-KR" altLang="en-US" dirty="0" smtClean="0"/>
-              <a:t>등</a:t>
-            </a:r>
-            <a:endParaRPr lang="en-US" altLang="ko-KR" dirty="0" smtClean="0"/>
+              <a:t>해당 객체는 </a:t>
+            </a:r>
+            <a:r>
+              <a:rPr lang="en-US" altLang="ko-KR" dirty="0" smtClean="0"/>
+              <a:t>run()</a:t>
+            </a:r>
+            <a:r>
+              <a:rPr lang="ko-KR" altLang="en-US" dirty="0" smtClean="0"/>
+              <a:t>이 호출되면 이벤트 </a:t>
+            </a:r>
+            <a:r>
+              <a:rPr lang="ko-KR" altLang="en-US" dirty="0" err="1" smtClean="0"/>
+              <a:t>핸들러의</a:t>
+            </a:r>
+            <a:r>
+              <a:rPr lang="ko-KR" altLang="en-US" dirty="0" smtClean="0"/>
+              <a:t> 요청이 있을 때 까지 대기하게 된다</a:t>
+            </a:r>
+            <a:r>
+              <a:rPr lang="en-US" altLang="ko-KR" dirty="0" smtClean="0"/>
+              <a:t>.</a:t>
+            </a:r>
           </a:p>
           <a:p>
             <a:pPr lvl="1"/>
             <a:r>
               <a:rPr lang="en-US" altLang="ko-KR" dirty="0" smtClean="0"/>
-              <a:t>Windows : </a:t>
+              <a:t>acceptor, socket</a:t>
             </a:r>
             <a:r>
               <a:rPr lang="ko-KR" altLang="en-US" dirty="0" smtClean="0"/>
-              <a:t>관리도구 </a:t>
+              <a:t>을 제공하여 접속 처리를 가능하게 한다</a:t>
             </a:r>
             <a:r>
               <a:rPr lang="en-US" altLang="ko-KR" dirty="0" smtClean="0"/>
-              <a:t>- </a:t>
-            </a:r>
-            <a:r>
-              <a:rPr lang="ko-KR" altLang="en-US" dirty="0" smtClean="0"/>
-              <a:t>성능 모니터</a:t>
-            </a:r>
-            <a:endParaRPr lang="en-US" altLang="ko-KR" dirty="0" smtClean="0"/>
-          </a:p>
-          <a:p>
-            <a:pPr lvl="1"/>
-            <a:endParaRPr lang="ko-KR" altLang="en-US" dirty="0"/>
+              <a:t>.</a:t>
+            </a:r>
           </a:p>
         </p:txBody>
       </p:sp>
     </p:spTree>
     <p:extLst>
       <p:ext uri="{BB962C8B-B14F-4D97-AF65-F5344CB8AC3E}">
-        <p14:creationId xmlns:p14="http://schemas.microsoft.com/office/powerpoint/2010/main" val="723223097"/>
+        <p14:creationId xmlns:p14="http://schemas.microsoft.com/office/powerpoint/2010/main" val="1229949389"/>
       </p:ext>
     </p:extLst>
   </p:cSld>
@@ -13509,16 +14703,12 @@
           <a:lstStyle/>
           <a:p>
             <a:r>
-              <a:rPr lang="en-US" altLang="ko-KR" dirty="0"/>
-              <a:t>4</a:t>
-            </a:r>
-            <a:r>
               <a:rPr lang="en-US" altLang="ko-KR" dirty="0" smtClean="0"/>
-              <a:t>. </a:t>
+              <a:t>3. </a:t>
             </a:r>
             <a:r>
               <a:rPr lang="ko-KR" altLang="en-US" dirty="0" smtClean="0"/>
-              <a:t>개발 환경</a:t>
+              <a:t>연구진행</a:t>
             </a:r>
             <a:endParaRPr lang="ko-KR" altLang="en-US" dirty="0"/>
           </a:p>
@@ -13541,53 +14731,139 @@
           <a:p>
             <a:r>
               <a:rPr lang="en-US" altLang="ko-KR" dirty="0" smtClean="0"/>
-              <a:t>Visual Studio 2013</a:t>
-            </a:r>
-            <a:endParaRPr lang="en-US" altLang="ko-KR" dirty="0"/>
-          </a:p>
-          <a:p>
+              <a:t>Boost::</a:t>
+            </a:r>
+            <a:r>
+              <a:rPr lang="en-US" altLang="ko-KR" dirty="0" err="1" smtClean="0"/>
+              <a:t>asio</a:t>
+            </a:r>
             <a:r>
               <a:rPr lang="en-US" altLang="ko-KR" dirty="0" smtClean="0"/>
-              <a:t>Boost 1.59</a:t>
-            </a:r>
-            <a:endParaRPr lang="en-US" altLang="ko-KR" dirty="0"/>
-          </a:p>
-          <a:p>
+              <a:t>::</a:t>
+            </a:r>
+            <a:r>
+              <a:rPr lang="en-US" altLang="ko-KR" dirty="0" err="1" smtClean="0"/>
+              <a:t>ip</a:t>
+            </a:r>
             <a:r>
               <a:rPr lang="en-US" altLang="ko-KR" dirty="0" smtClean="0"/>
-              <a:t>Window 7</a:t>
-            </a:r>
-          </a:p>
-          <a:p>
+              <a:t>::</a:t>
+            </a:r>
             <a:r>
               <a:rPr lang="en-US" altLang="ko-KR" dirty="0" err="1" smtClean="0"/>
-              <a:t>Git</a:t>
-            </a:r>
-            <a:endParaRPr lang="en-US" altLang="ko-KR" dirty="0" smtClean="0"/>
-          </a:p>
-          <a:p>
-            <a:endParaRPr lang="en-US" altLang="ko-KR" dirty="0" smtClean="0"/>
-          </a:p>
-          <a:p>
+              <a:t>tcp</a:t>
+            </a:r>
             <a:r>
               <a:rPr lang="en-US" altLang="ko-KR" dirty="0" smtClean="0"/>
-              <a:t>Test</a:t>
+              <a:t>::socket</a:t>
             </a:r>
           </a:p>
           <a:p>
             <a:pPr lvl="1"/>
             <a:r>
               <a:rPr lang="en-US" altLang="ko-KR" dirty="0" smtClean="0"/>
-              <a:t>Window 7 &amp; Linux</a:t>
-            </a:r>
-            <a:endParaRPr lang="ko-KR" altLang="en-US" dirty="0"/>
+              <a:t>acceptor</a:t>
+            </a:r>
+            <a:r>
+              <a:rPr lang="ko-KR" altLang="en-US" dirty="0" smtClean="0"/>
+              <a:t>를 이용하여 접속 요청을 받아</a:t>
+            </a:r>
+            <a:r>
+              <a:rPr lang="en-US" altLang="ko-KR" dirty="0" smtClean="0"/>
+              <a:t> </a:t>
+            </a:r>
+            <a:r>
+              <a:rPr lang="ko-KR" altLang="en-US" dirty="0" smtClean="0"/>
+              <a:t>오픈 후 사용된다</a:t>
+            </a:r>
+            <a:r>
+              <a:rPr lang="en-US" altLang="ko-KR" dirty="0" smtClean="0"/>
+              <a:t>.</a:t>
+            </a:r>
+          </a:p>
+          <a:p>
+            <a:pPr lvl="1"/>
+            <a:r>
+              <a:rPr lang="en-US" altLang="ko-KR" dirty="0" smtClean="0"/>
+              <a:t>Class</a:t>
+            </a:r>
+            <a:r>
+              <a:rPr lang="ko-KR" altLang="en-US" dirty="0" smtClean="0"/>
+              <a:t>의 멤버변수로 사용하는 경우</a:t>
+            </a:r>
+            <a:r>
+              <a:rPr lang="en-US" altLang="ko-KR" dirty="0" smtClean="0"/>
+              <a:t>, </a:t>
+            </a:r>
+            <a:r>
+              <a:rPr lang="ko-KR" altLang="en-US" dirty="0" smtClean="0"/>
+              <a:t>반드시 모든</a:t>
+            </a:r>
+            <a:r>
+              <a:rPr lang="en-US" altLang="ko-KR" dirty="0" smtClean="0"/>
+              <a:t> </a:t>
+            </a:r>
+            <a:r>
+              <a:rPr lang="ko-KR" altLang="en-US" dirty="0" err="1" smtClean="0"/>
+              <a:t>생성자는</a:t>
+            </a:r>
+            <a:r>
+              <a:rPr lang="ko-KR" altLang="en-US" dirty="0" smtClean="0"/>
+              <a:t> 매개변수로 </a:t>
+            </a:r>
+            <a:r>
+              <a:rPr lang="en-US" altLang="ko-KR" dirty="0" smtClean="0"/>
+              <a:t>socket</a:t>
+            </a:r>
+            <a:r>
+              <a:rPr lang="ko-KR" altLang="en-US" dirty="0" smtClean="0"/>
+              <a:t>을 받아야 한다</a:t>
+            </a:r>
+            <a:r>
+              <a:rPr lang="en-US" altLang="ko-KR" dirty="0" smtClean="0"/>
+              <a:t>.</a:t>
+            </a:r>
+          </a:p>
+          <a:p>
+            <a:pPr marL="1257300" lvl="2" indent="-457200"/>
+            <a:r>
+              <a:rPr lang="en-US" altLang="ko-KR" dirty="0" err="1" smtClean="0"/>
+              <a:t>io_service</a:t>
+            </a:r>
+            <a:r>
+              <a:rPr lang="ko-KR" altLang="en-US" dirty="0" smtClean="0"/>
+              <a:t>객체를 이용하여 초기화가 가능하다</a:t>
+            </a:r>
+            <a:r>
+              <a:rPr lang="en-US" altLang="ko-KR" dirty="0" smtClean="0"/>
+              <a:t>.</a:t>
+            </a:r>
+          </a:p>
+          <a:p>
+            <a:pPr lvl="1"/>
+            <a:r>
+              <a:rPr lang="en-US" altLang="ko-KR" dirty="0" smtClean="0"/>
+              <a:t>send, receive</a:t>
+            </a:r>
+            <a:r>
+              <a:rPr lang="ko-KR" altLang="en-US" dirty="0"/>
+              <a:t> </a:t>
+            </a:r>
+            <a:r>
+              <a:rPr lang="ko-KR" altLang="en-US" dirty="0" smtClean="0"/>
+              <a:t>요청을 처리한다</a:t>
+            </a:r>
+            <a:r>
+              <a:rPr lang="en-US" altLang="ko-KR" dirty="0" smtClean="0"/>
+              <a:t>.</a:t>
+            </a:r>
           </a:p>
         </p:txBody>
       </p:sp>
     </p:spTree>
     <p:extLst>
       <p:ext uri="{BB962C8B-B14F-4D97-AF65-F5344CB8AC3E}">
-        <p14:creationId xmlns:p14="http://schemas.microsoft.com/office/powerpoint/2010/main" val="3785982009"/>
+        <p14:creationId xmlns:p14="http://schemas.microsoft.com/office/powerpoint/2010/main" val="3286776761"/>
       </p:ext>
     </p:extLst>
   </p:cSld>
